--- a/Assignment 2/Team 4 Slide Deck.pptx
+++ b/Assignment 2/Team 4 Slide Deck.pptx
@@ -16,11 +16,11 @@
     <p:sldId id="267" r:id="rId7"/>
     <p:sldId id="260" r:id="rId8"/>
     <p:sldId id="261" r:id="rId9"/>
-    <p:sldId id="262" r:id="rId10"/>
-    <p:sldId id="263" r:id="rId11"/>
-    <p:sldId id="264" r:id="rId12"/>
-    <p:sldId id="265" r:id="rId13"/>
-    <p:sldId id="266" r:id="rId14"/>
+    <p:sldId id="263" r:id="rId10"/>
+    <p:sldId id="264" r:id="rId11"/>
+    <p:sldId id="265" r:id="rId12"/>
+    <p:sldId id="266" r:id="rId13"/>
+    <p:sldId id="269" r:id="rId14"/>
   </p:sldIdLst>
   <p:sldSz cx="12192000" cy="6858000"/>
   <p:notesSz cx="6858000" cy="9144000"/>
@@ -119,6 +119,11 @@
       </a:defRPr>
     </a:lvl9pPr>
   </p:defaultTextStyle>
+  <p:extLst>
+    <p:ext uri="{EFAFB233-063F-42B5-8137-9DF3F51BA10A}">
+      <p15:sldGuideLst xmlns:p15="http://schemas.microsoft.com/office/powerpoint/2012/main"/>
+    </p:ext>
+  </p:extLst>
 </p:presentation>
 </file>
 
@@ -204,7 +209,7 @@
           <a:p>
             <a:fld id="{DEF86D60-3FF9-D744-9BC8-F201D25C4FFF}" type="datetimeFigureOut">
               <a:rPr lang="en-US" smtClean="0"/>
-              <a:t>11/17/17</a:t>
+              <a:t>11/19/17</a:t>
             </a:fld>
             <a:endParaRPr lang="en-US"/>
           </a:p>
@@ -726,7 +731,7 @@
             <a:fld id="{87DE6118-2437-4B30-8E3C-4D2BE6020583}" type="datetimeFigureOut">
               <a:rPr lang="en-US" dirty="0"/>
               <a:pPr/>
-              <a:t>11/17/17</a:t>
+              <a:t>11/19/17</a:t>
             </a:fld>
             <a:endParaRPr lang="en-US" dirty="0"/>
           </a:p>
@@ -1052,7 +1057,7 @@
           <a:p>
             <a:fld id="{87DE6118-2437-4B30-8E3C-4D2BE6020583}" type="datetimeFigureOut">
               <a:rPr lang="en-US" dirty="0"/>
-              <a:t>11/17/17</a:t>
+              <a:t>11/19/17</a:t>
             </a:fld>
             <a:endParaRPr lang="en-US" dirty="0"/>
           </a:p>
@@ -1227,7 +1232,7 @@
           <a:p>
             <a:fld id="{87DE6118-2437-4B30-8E3C-4D2BE6020583}" type="datetimeFigureOut">
               <a:rPr lang="en-US" dirty="0"/>
-              <a:t>11/17/17</a:t>
+              <a:t>11/19/17</a:t>
             </a:fld>
             <a:endParaRPr lang="en-US" dirty="0"/>
           </a:p>
@@ -1392,7 +1397,7 @@
           <a:p>
             <a:fld id="{87DE6118-2437-4B30-8E3C-4D2BE6020583}" type="datetimeFigureOut">
               <a:rPr lang="en-US" dirty="0"/>
-              <a:t>11/17/17</a:t>
+              <a:t>11/19/17</a:t>
             </a:fld>
             <a:endParaRPr lang="en-US" dirty="0"/>
           </a:p>
@@ -1665,7 +1670,7 @@
             <a:fld id="{87DE6118-2437-4B30-8E3C-4D2BE6020583}" type="datetimeFigureOut">
               <a:rPr lang="en-US" dirty="0"/>
               <a:pPr/>
-              <a:t>11/17/17</a:t>
+              <a:t>11/19/17</a:t>
             </a:fld>
             <a:endParaRPr lang="en-US" dirty="0"/>
           </a:p>
@@ -2055,7 +2060,7 @@
           <a:p>
             <a:fld id="{87DE6118-2437-4B30-8E3C-4D2BE6020583}" type="datetimeFigureOut">
               <a:rPr lang="en-US" dirty="0"/>
-              <a:t>11/17/17</a:t>
+              <a:t>11/19/17</a:t>
             </a:fld>
             <a:endParaRPr lang="en-US" dirty="0"/>
           </a:p>
@@ -2527,7 +2532,7 @@
           <a:p>
             <a:fld id="{87DE6118-2437-4B30-8E3C-4D2BE6020583}" type="datetimeFigureOut">
               <a:rPr lang="en-US" dirty="0"/>
-              <a:t>11/17/17</a:t>
+              <a:t>11/19/17</a:t>
             </a:fld>
             <a:endParaRPr lang="en-US" dirty="0"/>
           </a:p>
@@ -2640,7 +2645,7 @@
           <a:p>
             <a:fld id="{87DE6118-2437-4B30-8E3C-4D2BE6020583}" type="datetimeFigureOut">
               <a:rPr lang="en-US" dirty="0"/>
-              <a:t>11/17/17</a:t>
+              <a:t>11/19/17</a:t>
             </a:fld>
             <a:endParaRPr lang="en-US" dirty="0"/>
           </a:p>
@@ -2730,7 +2735,7 @@
           <a:p>
             <a:fld id="{87DE6118-2437-4B30-8E3C-4D2BE6020583}" type="datetimeFigureOut">
               <a:rPr lang="en-US" dirty="0"/>
-              <a:t>11/17/17</a:t>
+              <a:t>11/19/17</a:t>
             </a:fld>
             <a:endParaRPr lang="en-US" dirty="0"/>
           </a:p>
@@ -3072,7 +3077,7 @@
             <a:fld id="{87DE6118-2437-4B30-8E3C-4D2BE6020583}" type="datetimeFigureOut">
               <a:rPr lang="en-US" dirty="0"/>
               <a:pPr/>
-              <a:t>11/17/17</a:t>
+              <a:t>11/19/17</a:t>
             </a:fld>
             <a:endParaRPr lang="en-US" dirty="0"/>
           </a:p>
@@ -3457,7 +3462,7 @@
             <a:fld id="{87DE6118-2437-4B30-8E3C-4D2BE6020583}" type="datetimeFigureOut">
               <a:rPr lang="en-US" dirty="0"/>
               <a:pPr/>
-              <a:t>11/17/17</a:t>
+              <a:t>11/19/17</a:t>
             </a:fld>
             <a:endParaRPr lang="en-US" dirty="0"/>
           </a:p>
@@ -3732,7 +3737,7 @@
             <a:fld id="{87DE6118-2437-4B30-8E3C-4D2BE6020583}" type="datetimeFigureOut">
               <a:rPr lang="en-US" dirty="0"/>
               <a:pPr/>
-              <a:t>11/17/17</a:t>
+              <a:t>11/19/17</a:t>
             </a:fld>
             <a:endParaRPr lang="en-US" dirty="0"/>
           </a:p>
@@ -4345,7 +4350,7 @@
           <a:p>
             <a:r>
               <a:rPr lang="en-US" dirty="0" smtClean="0"/>
-              <a:t>Clustering</a:t>
+              <a:t>Prediction Models</a:t>
             </a:r>
             <a:endParaRPr lang="en-US" dirty="0"/>
           </a:p>
@@ -4361,19 +4366,1533 @@
             <p:ph idx="1"/>
           </p:nvPr>
         </p:nvSpPr>
-        <p:spPr/>
+        <p:spPr>
+          <a:xfrm>
+            <a:off x="1371600" y="1811144"/>
+            <a:ext cx="9601200" cy="3581400"/>
+          </a:xfrm>
+        </p:spPr>
         <p:txBody>
           <a:bodyPr/>
           <a:lstStyle/>
           <a:p>
-            <a:endParaRPr lang="en-US"/>
+            <a:r>
+              <a:rPr lang="en-US" dirty="0" smtClean="0"/>
+              <a:t>We used 40 features for prediction, and had the best accuracies with non-linear prediction models.</a:t>
+            </a:r>
+          </a:p>
+          <a:p>
+            <a:r>
+              <a:rPr lang="en-US" dirty="0" smtClean="0"/>
+              <a:t>For our non-clustered data and </a:t>
+            </a:r>
+            <a:r>
+              <a:rPr lang="en-US" dirty="0" err="1" smtClean="0"/>
+              <a:t>KMeans</a:t>
+            </a:r>
+            <a:r>
+              <a:rPr lang="en-US" dirty="0" smtClean="0"/>
+              <a:t> clusters Neural Network had less error by a small margin in Python, whereas Random Forest had less error for our manual clusters.</a:t>
+            </a:r>
+            <a:endParaRPr lang="en-US" dirty="0"/>
+          </a:p>
+        </p:txBody>
+      </p:sp>
+      <p:graphicFrame>
+        <p:nvGraphicFramePr>
+          <p:cNvPr id="4" name="Table 3"/>
+          <p:cNvGraphicFramePr>
+            <a:graphicFrameLocks noGrp="1"/>
+          </p:cNvGraphicFramePr>
+          <p:nvPr>
+            <p:extLst>
+              <p:ext uri="{D42A27DB-BD31-4B8C-83A1-F6EECF244321}">
+                <p14:modId xmlns:p14="http://schemas.microsoft.com/office/powerpoint/2010/main" val="1385550041"/>
+              </p:ext>
+            </p:extLst>
+          </p:nvPr>
+        </p:nvGraphicFramePr>
+        <p:xfrm>
+          <a:off x="3674745" y="4295264"/>
+          <a:ext cx="4994910" cy="2194560"/>
+        </p:xfrm>
+        <a:graphic>
+          <a:graphicData uri="http://schemas.openxmlformats.org/drawingml/2006/table">
+            <a:tbl>
+              <a:tblPr firstRow="1" firstCol="1" bandRow="1">
+                <a:tableStyleId>{5C22544A-7EE6-4342-B048-85BDC9FD1C3A}</a:tableStyleId>
+              </a:tblPr>
+              <a:tblGrid>
+                <a:gridCol w="803275"/>
+                <a:gridCol w="511810"/>
+                <a:gridCol w="511810"/>
+                <a:gridCol w="511810"/>
+                <a:gridCol w="511810"/>
+                <a:gridCol w="582295"/>
+                <a:gridCol w="582295"/>
+                <a:gridCol w="494665"/>
+                <a:gridCol w="485140"/>
+              </a:tblGrid>
+              <a:tr h="256540">
+                <a:tc>
+                  <a:txBody>
+                    <a:bodyPr/>
+                    <a:lstStyle/>
+                    <a:p>
+                      <a:pPr marL="0" marR="0" algn="ctr">
+                        <a:spcBef>
+                          <a:spcPts val="0"/>
+                        </a:spcBef>
+                        <a:spcAft>
+                          <a:spcPts val="0"/>
+                        </a:spcAft>
+                      </a:pPr>
+                      <a:r>
+                        <a:rPr lang="en-US" sz="1200">
+                          <a:effectLst/>
+                        </a:rPr>
+                        <a:t>KMeans Cluster 0</a:t>
+                      </a:r>
+                      <a:endParaRPr lang="en-US" sz="1200">
+                        <a:effectLst/>
+                        <a:latin typeface="Times New Roman" charset="0"/>
+                        <a:ea typeface="Calibri" charset="0"/>
+                      </a:endParaRPr>
+                    </a:p>
+                  </a:txBody>
+                  <a:tcPr marL="68580" marR="68580" marT="0" marB="0"/>
+                </a:tc>
+                <a:tc gridSpan="6">
+                  <a:txBody>
+                    <a:bodyPr/>
+                    <a:lstStyle/>
+                    <a:p>
+                      <a:pPr marL="0" marR="0" algn="ctr">
+                        <a:spcBef>
+                          <a:spcPts val="0"/>
+                        </a:spcBef>
+                        <a:spcAft>
+                          <a:spcPts val="0"/>
+                        </a:spcAft>
+                      </a:pPr>
+                      <a:r>
+                        <a:rPr lang="en-US" sz="1200" dirty="0" err="1">
+                          <a:effectLst/>
+                        </a:rPr>
+                        <a:t>Jupyter</a:t>
+                      </a:r>
+                      <a:r>
+                        <a:rPr lang="en-US" sz="1200" dirty="0">
+                          <a:effectLst/>
+                        </a:rPr>
+                        <a:t> Notebook</a:t>
+                      </a:r>
+                      <a:endParaRPr lang="en-US" sz="1200" dirty="0">
+                        <a:effectLst/>
+                        <a:latin typeface="Times New Roman" charset="0"/>
+                        <a:ea typeface="Calibri" charset="0"/>
+                      </a:endParaRPr>
+                    </a:p>
+                  </a:txBody>
+                  <a:tcPr marL="68580" marR="68580" marT="0" marB="0" anchor="b"/>
+                </a:tc>
+                <a:tc hMerge="1">
+                  <a:txBody>
+                    <a:bodyPr/>
+                    <a:lstStyle/>
+                    <a:p>
+                      <a:endParaRPr lang="en-US"/>
+                    </a:p>
+                  </a:txBody>
+                  <a:tcPr/>
+                </a:tc>
+                <a:tc hMerge="1">
+                  <a:txBody>
+                    <a:bodyPr/>
+                    <a:lstStyle/>
+                    <a:p>
+                      <a:endParaRPr lang="en-US"/>
+                    </a:p>
+                  </a:txBody>
+                  <a:tcPr/>
+                </a:tc>
+                <a:tc hMerge="1">
+                  <a:txBody>
+                    <a:bodyPr/>
+                    <a:lstStyle/>
+                    <a:p>
+                      <a:endParaRPr lang="en-US"/>
+                    </a:p>
+                  </a:txBody>
+                  <a:tcPr/>
+                </a:tc>
+                <a:tc hMerge="1">
+                  <a:txBody>
+                    <a:bodyPr/>
+                    <a:lstStyle/>
+                    <a:p>
+                      <a:endParaRPr lang="en-US"/>
+                    </a:p>
+                  </a:txBody>
+                  <a:tcPr/>
+                </a:tc>
+                <a:tc hMerge="1">
+                  <a:txBody>
+                    <a:bodyPr/>
+                    <a:lstStyle/>
+                    <a:p>
+                      <a:endParaRPr lang="en-US"/>
+                    </a:p>
+                  </a:txBody>
+                  <a:tcPr/>
+                </a:tc>
+                <a:tc gridSpan="2">
+                  <a:txBody>
+                    <a:bodyPr/>
+                    <a:lstStyle/>
+                    <a:p>
+                      <a:pPr marL="0" marR="0" algn="ctr">
+                        <a:spcBef>
+                          <a:spcPts val="0"/>
+                        </a:spcBef>
+                        <a:spcAft>
+                          <a:spcPts val="0"/>
+                        </a:spcAft>
+                      </a:pPr>
+                      <a:r>
+                        <a:rPr lang="en-US" sz="1200">
+                          <a:effectLst/>
+                        </a:rPr>
+                        <a:t>Azure ML</a:t>
+                      </a:r>
+                      <a:endParaRPr lang="en-US" sz="1200">
+                        <a:effectLst/>
+                        <a:latin typeface="Times New Roman" charset="0"/>
+                        <a:ea typeface="Calibri" charset="0"/>
+                      </a:endParaRPr>
+                    </a:p>
+                  </a:txBody>
+                  <a:tcPr marL="68580" marR="68580" marT="0" marB="0" anchor="b"/>
+                </a:tc>
+                <a:tc hMerge="1">
+                  <a:txBody>
+                    <a:bodyPr/>
+                    <a:lstStyle/>
+                    <a:p>
+                      <a:endParaRPr lang="en-US"/>
+                    </a:p>
+                  </a:txBody>
+                  <a:tcPr/>
+                </a:tc>
+              </a:tr>
+              <a:tr h="276225">
+                <a:tc>
+                  <a:txBody>
+                    <a:bodyPr/>
+                    <a:lstStyle/>
+                    <a:p>
+                      <a:pPr marL="0" marR="0" algn="r">
+                        <a:spcBef>
+                          <a:spcPts val="0"/>
+                        </a:spcBef>
+                        <a:spcAft>
+                          <a:spcPts val="0"/>
+                        </a:spcAft>
+                      </a:pPr>
+                      <a:r>
+                        <a:rPr lang="en-US" sz="1200">
+                          <a:effectLst/>
+                        </a:rPr>
+                        <a:t>Metric</a:t>
+                      </a:r>
+                      <a:endParaRPr lang="en-US" sz="1200">
+                        <a:effectLst/>
+                        <a:latin typeface="Times New Roman" charset="0"/>
+                        <a:ea typeface="Calibri" charset="0"/>
+                      </a:endParaRPr>
+                    </a:p>
+                  </a:txBody>
+                  <a:tcPr marL="68580" marR="68580" marT="0" marB="0"/>
+                </a:tc>
+                <a:tc>
+                  <a:txBody>
+                    <a:bodyPr/>
+                    <a:lstStyle/>
+                    <a:p>
+                      <a:pPr marL="0" marR="0" algn="r">
+                        <a:spcBef>
+                          <a:spcPts val="0"/>
+                        </a:spcBef>
+                        <a:spcAft>
+                          <a:spcPts val="0"/>
+                        </a:spcAft>
+                      </a:pPr>
+                      <a:r>
+                        <a:rPr lang="en-US" sz="1200">
+                          <a:effectLst/>
+                        </a:rPr>
+                        <a:t>Train RMS</a:t>
+                      </a:r>
+                      <a:endParaRPr lang="en-US" sz="1200">
+                        <a:effectLst/>
+                        <a:latin typeface="Times New Roman" charset="0"/>
+                        <a:ea typeface="Calibri" charset="0"/>
+                      </a:endParaRPr>
+                    </a:p>
+                  </a:txBody>
+                  <a:tcPr marL="68580" marR="68580" marT="0" marB="0" anchor="b"/>
+                </a:tc>
+                <a:tc>
+                  <a:txBody>
+                    <a:bodyPr/>
+                    <a:lstStyle/>
+                    <a:p>
+                      <a:pPr marL="0" marR="0" algn="r">
+                        <a:spcBef>
+                          <a:spcPts val="0"/>
+                        </a:spcBef>
+                        <a:spcAft>
+                          <a:spcPts val="0"/>
+                        </a:spcAft>
+                      </a:pPr>
+                      <a:r>
+                        <a:rPr lang="en-US" sz="1200">
+                          <a:effectLst/>
+                        </a:rPr>
+                        <a:t>Test RMS</a:t>
+                      </a:r>
+                      <a:endParaRPr lang="en-US" sz="1200">
+                        <a:effectLst/>
+                        <a:latin typeface="Times New Roman" charset="0"/>
+                        <a:ea typeface="Calibri" charset="0"/>
+                      </a:endParaRPr>
+                    </a:p>
+                  </a:txBody>
+                  <a:tcPr marL="68580" marR="68580" marT="0" marB="0" anchor="b"/>
+                </a:tc>
+                <a:tc>
+                  <a:txBody>
+                    <a:bodyPr/>
+                    <a:lstStyle/>
+                    <a:p>
+                      <a:pPr marL="0" marR="0" algn="r">
+                        <a:spcBef>
+                          <a:spcPts val="0"/>
+                        </a:spcBef>
+                        <a:spcAft>
+                          <a:spcPts val="0"/>
+                        </a:spcAft>
+                      </a:pPr>
+                      <a:r>
+                        <a:rPr lang="en-US" sz="1200">
+                          <a:effectLst/>
+                        </a:rPr>
+                        <a:t>Train MAE</a:t>
+                      </a:r>
+                      <a:endParaRPr lang="en-US" sz="1200">
+                        <a:effectLst/>
+                        <a:latin typeface="Times New Roman" charset="0"/>
+                        <a:ea typeface="Calibri" charset="0"/>
+                      </a:endParaRPr>
+                    </a:p>
+                  </a:txBody>
+                  <a:tcPr marL="68580" marR="68580" marT="0" marB="0" anchor="b"/>
+                </a:tc>
+                <a:tc>
+                  <a:txBody>
+                    <a:bodyPr/>
+                    <a:lstStyle/>
+                    <a:p>
+                      <a:pPr marL="0" marR="0" algn="r">
+                        <a:spcBef>
+                          <a:spcPts val="0"/>
+                        </a:spcBef>
+                        <a:spcAft>
+                          <a:spcPts val="0"/>
+                        </a:spcAft>
+                      </a:pPr>
+                      <a:r>
+                        <a:rPr lang="en-US" sz="1200">
+                          <a:effectLst/>
+                        </a:rPr>
+                        <a:t>Test MAE</a:t>
+                      </a:r>
+                      <a:endParaRPr lang="en-US" sz="1200">
+                        <a:effectLst/>
+                        <a:latin typeface="Times New Roman" charset="0"/>
+                        <a:ea typeface="Calibri" charset="0"/>
+                      </a:endParaRPr>
+                    </a:p>
+                  </a:txBody>
+                  <a:tcPr marL="68580" marR="68580" marT="0" marB="0" anchor="b"/>
+                </a:tc>
+                <a:tc>
+                  <a:txBody>
+                    <a:bodyPr/>
+                    <a:lstStyle/>
+                    <a:p>
+                      <a:pPr marL="0" marR="0" algn="r">
+                        <a:spcBef>
+                          <a:spcPts val="0"/>
+                        </a:spcBef>
+                        <a:spcAft>
+                          <a:spcPts val="0"/>
+                        </a:spcAft>
+                      </a:pPr>
+                      <a:r>
+                        <a:rPr lang="en-US" sz="1200">
+                          <a:effectLst/>
+                        </a:rPr>
+                        <a:t>Train MAPE</a:t>
+                      </a:r>
+                      <a:endParaRPr lang="en-US" sz="1200">
+                        <a:effectLst/>
+                        <a:latin typeface="Times New Roman" charset="0"/>
+                        <a:ea typeface="Calibri" charset="0"/>
+                      </a:endParaRPr>
+                    </a:p>
+                  </a:txBody>
+                  <a:tcPr marL="68580" marR="68580" marT="0" marB="0" anchor="b"/>
+                </a:tc>
+                <a:tc>
+                  <a:txBody>
+                    <a:bodyPr/>
+                    <a:lstStyle/>
+                    <a:p>
+                      <a:pPr marL="0" marR="0" algn="r">
+                        <a:spcBef>
+                          <a:spcPts val="0"/>
+                        </a:spcBef>
+                        <a:spcAft>
+                          <a:spcPts val="0"/>
+                        </a:spcAft>
+                      </a:pPr>
+                      <a:r>
+                        <a:rPr lang="en-US" sz="1200">
+                          <a:effectLst/>
+                        </a:rPr>
+                        <a:t>Test MAPE</a:t>
+                      </a:r>
+                      <a:endParaRPr lang="en-US" sz="1200">
+                        <a:effectLst/>
+                        <a:latin typeface="Times New Roman" charset="0"/>
+                        <a:ea typeface="Calibri" charset="0"/>
+                      </a:endParaRPr>
+                    </a:p>
+                  </a:txBody>
+                  <a:tcPr marL="68580" marR="68580" marT="0" marB="0" anchor="b"/>
+                </a:tc>
+                <a:tc>
+                  <a:txBody>
+                    <a:bodyPr/>
+                    <a:lstStyle/>
+                    <a:p>
+                      <a:pPr marL="0" marR="0">
+                        <a:spcBef>
+                          <a:spcPts val="0"/>
+                        </a:spcBef>
+                        <a:spcAft>
+                          <a:spcPts val="0"/>
+                        </a:spcAft>
+                      </a:pPr>
+                      <a:r>
+                        <a:rPr lang="en-US" sz="1200">
+                          <a:effectLst/>
+                        </a:rPr>
+                        <a:t>Test MAE</a:t>
+                      </a:r>
+                      <a:endParaRPr lang="en-US" sz="1200">
+                        <a:effectLst/>
+                        <a:latin typeface="Times New Roman" charset="0"/>
+                        <a:ea typeface="Calibri" charset="0"/>
+                      </a:endParaRPr>
+                    </a:p>
+                  </a:txBody>
+                  <a:tcPr marL="68580" marR="68580" marT="0" marB="0" anchor="b"/>
+                </a:tc>
+                <a:tc>
+                  <a:txBody>
+                    <a:bodyPr/>
+                    <a:lstStyle/>
+                    <a:p>
+                      <a:pPr marL="0" marR="0">
+                        <a:spcBef>
+                          <a:spcPts val="0"/>
+                        </a:spcBef>
+                        <a:spcAft>
+                          <a:spcPts val="0"/>
+                        </a:spcAft>
+                      </a:pPr>
+                      <a:r>
+                        <a:rPr lang="en-US" sz="1200">
+                          <a:effectLst/>
+                        </a:rPr>
+                        <a:t>Test RMS</a:t>
+                      </a:r>
+                      <a:endParaRPr lang="en-US" sz="1200">
+                        <a:effectLst/>
+                        <a:latin typeface="Times New Roman" charset="0"/>
+                        <a:ea typeface="Calibri" charset="0"/>
+                      </a:endParaRPr>
+                    </a:p>
+                  </a:txBody>
+                  <a:tcPr marL="68580" marR="68580" marT="0" marB="0" anchor="b"/>
+                </a:tc>
+              </a:tr>
+              <a:tr h="379095">
+                <a:tc>
+                  <a:txBody>
+                    <a:bodyPr/>
+                    <a:lstStyle/>
+                    <a:p>
+                      <a:pPr marL="0" marR="0" algn="r">
+                        <a:spcBef>
+                          <a:spcPts val="0"/>
+                        </a:spcBef>
+                        <a:spcAft>
+                          <a:spcPts val="0"/>
+                        </a:spcAft>
+                      </a:pPr>
+                      <a:r>
+                        <a:rPr lang="en-US" sz="1200">
+                          <a:effectLst/>
+                        </a:rPr>
+                        <a:t>Linear Regression</a:t>
+                      </a:r>
+                      <a:endParaRPr lang="en-US" sz="1200">
+                        <a:effectLst/>
+                        <a:latin typeface="Times New Roman" charset="0"/>
+                        <a:ea typeface="Calibri" charset="0"/>
+                      </a:endParaRPr>
+                    </a:p>
+                  </a:txBody>
+                  <a:tcPr marL="68580" marR="68580" marT="0" marB="0"/>
+                </a:tc>
+                <a:tc>
+                  <a:txBody>
+                    <a:bodyPr/>
+                    <a:lstStyle/>
+                    <a:p>
+                      <a:pPr marL="0" marR="0" algn="r">
+                        <a:spcBef>
+                          <a:spcPts val="0"/>
+                        </a:spcBef>
+                        <a:spcAft>
+                          <a:spcPts val="0"/>
+                        </a:spcAft>
+                      </a:pPr>
+                      <a:r>
+                        <a:rPr lang="en-US" sz="1200">
+                          <a:effectLst/>
+                        </a:rPr>
+                        <a:t>3.57</a:t>
+                      </a:r>
+                      <a:endParaRPr lang="en-US" sz="1200">
+                        <a:effectLst/>
+                        <a:latin typeface="Times New Roman" charset="0"/>
+                        <a:ea typeface="Calibri" charset="0"/>
+                      </a:endParaRPr>
+                    </a:p>
+                  </a:txBody>
+                  <a:tcPr marL="68580" marR="68580" marT="0" marB="0" anchor="b"/>
+                </a:tc>
+                <a:tc>
+                  <a:txBody>
+                    <a:bodyPr/>
+                    <a:lstStyle/>
+                    <a:p>
+                      <a:pPr marL="0" marR="0" algn="r">
+                        <a:spcBef>
+                          <a:spcPts val="0"/>
+                        </a:spcBef>
+                        <a:spcAft>
+                          <a:spcPts val="0"/>
+                        </a:spcAft>
+                      </a:pPr>
+                      <a:r>
+                        <a:rPr lang="en-US" sz="1200">
+                          <a:effectLst/>
+                        </a:rPr>
+                        <a:t>3.53</a:t>
+                      </a:r>
+                      <a:endParaRPr lang="en-US" sz="1200">
+                        <a:effectLst/>
+                        <a:latin typeface="Times New Roman" charset="0"/>
+                        <a:ea typeface="Calibri" charset="0"/>
+                      </a:endParaRPr>
+                    </a:p>
+                  </a:txBody>
+                  <a:tcPr marL="68580" marR="68580" marT="0" marB="0" anchor="b"/>
+                </a:tc>
+                <a:tc>
+                  <a:txBody>
+                    <a:bodyPr/>
+                    <a:lstStyle/>
+                    <a:p>
+                      <a:pPr marL="0" marR="0" algn="r">
+                        <a:spcBef>
+                          <a:spcPts val="0"/>
+                        </a:spcBef>
+                        <a:spcAft>
+                          <a:spcPts val="0"/>
+                        </a:spcAft>
+                      </a:pPr>
+                      <a:r>
+                        <a:rPr lang="en-US" sz="1200">
+                          <a:effectLst/>
+                        </a:rPr>
+                        <a:t>2.77</a:t>
+                      </a:r>
+                      <a:endParaRPr lang="en-US" sz="1200">
+                        <a:effectLst/>
+                        <a:latin typeface="Times New Roman" charset="0"/>
+                        <a:ea typeface="Calibri" charset="0"/>
+                      </a:endParaRPr>
+                    </a:p>
+                  </a:txBody>
+                  <a:tcPr marL="68580" marR="68580" marT="0" marB="0" anchor="b"/>
+                </a:tc>
+                <a:tc>
+                  <a:txBody>
+                    <a:bodyPr/>
+                    <a:lstStyle/>
+                    <a:p>
+                      <a:pPr marL="0" marR="0" algn="r">
+                        <a:spcBef>
+                          <a:spcPts val="0"/>
+                        </a:spcBef>
+                        <a:spcAft>
+                          <a:spcPts val="0"/>
+                        </a:spcAft>
+                      </a:pPr>
+                      <a:r>
+                        <a:rPr lang="en-US" sz="1200">
+                          <a:effectLst/>
+                        </a:rPr>
+                        <a:t>2.76</a:t>
+                      </a:r>
+                      <a:endParaRPr lang="en-US" sz="1200">
+                        <a:effectLst/>
+                        <a:latin typeface="Times New Roman" charset="0"/>
+                        <a:ea typeface="Calibri" charset="0"/>
+                      </a:endParaRPr>
+                    </a:p>
+                  </a:txBody>
+                  <a:tcPr marL="68580" marR="68580" marT="0" marB="0" anchor="b"/>
+                </a:tc>
+                <a:tc>
+                  <a:txBody>
+                    <a:bodyPr/>
+                    <a:lstStyle/>
+                    <a:p>
+                      <a:pPr marL="0" marR="0" algn="r">
+                        <a:spcBef>
+                          <a:spcPts val="0"/>
+                        </a:spcBef>
+                        <a:spcAft>
+                          <a:spcPts val="0"/>
+                        </a:spcAft>
+                      </a:pPr>
+                      <a:r>
+                        <a:rPr lang="en-US" sz="1200">
+                          <a:effectLst/>
+                        </a:rPr>
+                        <a:t>24.27</a:t>
+                      </a:r>
+                      <a:endParaRPr lang="en-US" sz="1200">
+                        <a:effectLst/>
+                        <a:latin typeface="Times New Roman" charset="0"/>
+                        <a:ea typeface="Calibri" charset="0"/>
+                      </a:endParaRPr>
+                    </a:p>
+                  </a:txBody>
+                  <a:tcPr marL="68580" marR="68580" marT="0" marB="0" anchor="b"/>
+                </a:tc>
+                <a:tc>
+                  <a:txBody>
+                    <a:bodyPr/>
+                    <a:lstStyle/>
+                    <a:p>
+                      <a:pPr marL="0" marR="0" algn="r">
+                        <a:spcBef>
+                          <a:spcPts val="0"/>
+                        </a:spcBef>
+                        <a:spcAft>
+                          <a:spcPts val="0"/>
+                        </a:spcAft>
+                      </a:pPr>
+                      <a:r>
+                        <a:rPr lang="en-US" sz="1200">
+                          <a:effectLst/>
+                        </a:rPr>
+                        <a:t>24.40</a:t>
+                      </a:r>
+                      <a:endParaRPr lang="en-US" sz="1200">
+                        <a:effectLst/>
+                        <a:latin typeface="Times New Roman" charset="0"/>
+                        <a:ea typeface="Calibri" charset="0"/>
+                      </a:endParaRPr>
+                    </a:p>
+                  </a:txBody>
+                  <a:tcPr marL="68580" marR="68580" marT="0" marB="0" anchor="b"/>
+                </a:tc>
+                <a:tc>
+                  <a:txBody>
+                    <a:bodyPr/>
+                    <a:lstStyle/>
+                    <a:p>
+                      <a:pPr marL="0" marR="0">
+                        <a:spcBef>
+                          <a:spcPts val="0"/>
+                        </a:spcBef>
+                        <a:spcAft>
+                          <a:spcPts val="0"/>
+                        </a:spcAft>
+                      </a:pPr>
+                      <a:r>
+                        <a:rPr lang="en-US" sz="1200">
+                          <a:effectLst/>
+                        </a:rPr>
+                        <a:t> N/a</a:t>
+                      </a:r>
+                      <a:endParaRPr lang="en-US" sz="1200">
+                        <a:effectLst/>
+                        <a:latin typeface="Times New Roman" charset="0"/>
+                        <a:ea typeface="Calibri" charset="0"/>
+                      </a:endParaRPr>
+                    </a:p>
+                  </a:txBody>
+                  <a:tcPr marL="68580" marR="68580" marT="0" marB="0" anchor="b"/>
+                </a:tc>
+                <a:tc>
+                  <a:txBody>
+                    <a:bodyPr/>
+                    <a:lstStyle/>
+                    <a:p>
+                      <a:pPr marL="0" marR="0">
+                        <a:spcBef>
+                          <a:spcPts val="0"/>
+                        </a:spcBef>
+                        <a:spcAft>
+                          <a:spcPts val="0"/>
+                        </a:spcAft>
+                      </a:pPr>
+                      <a:r>
+                        <a:rPr lang="en-US" sz="1200">
+                          <a:effectLst/>
+                        </a:rPr>
+                        <a:t> N/a</a:t>
+                      </a:r>
+                      <a:endParaRPr lang="en-US" sz="1200">
+                        <a:effectLst/>
+                        <a:latin typeface="Times New Roman" charset="0"/>
+                        <a:ea typeface="Calibri" charset="0"/>
+                      </a:endParaRPr>
+                    </a:p>
+                  </a:txBody>
+                  <a:tcPr marL="68580" marR="68580" marT="0" marB="0" anchor="b"/>
+                </a:tc>
+              </a:tr>
+              <a:tr h="215900">
+                <a:tc>
+                  <a:txBody>
+                    <a:bodyPr/>
+                    <a:lstStyle/>
+                    <a:p>
+                      <a:pPr marL="0" marR="0" algn="r">
+                        <a:spcBef>
+                          <a:spcPts val="0"/>
+                        </a:spcBef>
+                        <a:spcAft>
+                          <a:spcPts val="0"/>
+                        </a:spcAft>
+                      </a:pPr>
+                      <a:r>
+                        <a:rPr lang="en-US" sz="1200">
+                          <a:effectLst/>
+                        </a:rPr>
+                        <a:t>Neural Network</a:t>
+                      </a:r>
+                      <a:endParaRPr lang="en-US" sz="1200">
+                        <a:effectLst/>
+                        <a:latin typeface="Times New Roman" charset="0"/>
+                        <a:ea typeface="Calibri" charset="0"/>
+                      </a:endParaRPr>
+                    </a:p>
+                  </a:txBody>
+                  <a:tcPr marL="68580" marR="68580" marT="0" marB="0"/>
+                </a:tc>
+                <a:tc>
+                  <a:txBody>
+                    <a:bodyPr/>
+                    <a:lstStyle/>
+                    <a:p>
+                      <a:pPr marL="0" marR="0" algn="r">
+                        <a:spcBef>
+                          <a:spcPts val="0"/>
+                        </a:spcBef>
+                        <a:spcAft>
+                          <a:spcPts val="0"/>
+                        </a:spcAft>
+                      </a:pPr>
+                      <a:r>
+                        <a:rPr lang="en-US" sz="1200">
+                          <a:effectLst/>
+                        </a:rPr>
+                        <a:t>3.07</a:t>
+                      </a:r>
+                      <a:endParaRPr lang="en-US" sz="1200">
+                        <a:effectLst/>
+                        <a:latin typeface="Times New Roman" charset="0"/>
+                        <a:ea typeface="Calibri" charset="0"/>
+                      </a:endParaRPr>
+                    </a:p>
+                  </a:txBody>
+                  <a:tcPr marL="68580" marR="68580" marT="0" marB="0" anchor="b"/>
+                </a:tc>
+                <a:tc>
+                  <a:txBody>
+                    <a:bodyPr/>
+                    <a:lstStyle/>
+                    <a:p>
+                      <a:pPr marL="0" marR="0" algn="r">
+                        <a:spcBef>
+                          <a:spcPts val="0"/>
+                        </a:spcBef>
+                        <a:spcAft>
+                          <a:spcPts val="0"/>
+                        </a:spcAft>
+                      </a:pPr>
+                      <a:r>
+                        <a:rPr lang="en-US" sz="1200">
+                          <a:effectLst/>
+                        </a:rPr>
+                        <a:t>3.20</a:t>
+                      </a:r>
+                      <a:endParaRPr lang="en-US" sz="1200">
+                        <a:effectLst/>
+                        <a:latin typeface="Times New Roman" charset="0"/>
+                        <a:ea typeface="Calibri" charset="0"/>
+                      </a:endParaRPr>
+                    </a:p>
+                  </a:txBody>
+                  <a:tcPr marL="68580" marR="68580" marT="0" marB="0" anchor="b"/>
+                </a:tc>
+                <a:tc>
+                  <a:txBody>
+                    <a:bodyPr/>
+                    <a:lstStyle/>
+                    <a:p>
+                      <a:pPr marL="0" marR="0" algn="r">
+                        <a:spcBef>
+                          <a:spcPts val="0"/>
+                        </a:spcBef>
+                        <a:spcAft>
+                          <a:spcPts val="0"/>
+                        </a:spcAft>
+                      </a:pPr>
+                      <a:r>
+                        <a:rPr lang="en-US" sz="1200">
+                          <a:effectLst/>
+                        </a:rPr>
+                        <a:t>2.34</a:t>
+                      </a:r>
+                      <a:endParaRPr lang="en-US" sz="1200">
+                        <a:effectLst/>
+                        <a:latin typeface="Times New Roman" charset="0"/>
+                        <a:ea typeface="Calibri" charset="0"/>
+                      </a:endParaRPr>
+                    </a:p>
+                  </a:txBody>
+                  <a:tcPr marL="68580" marR="68580" marT="0" marB="0" anchor="b"/>
+                </a:tc>
+                <a:tc>
+                  <a:txBody>
+                    <a:bodyPr/>
+                    <a:lstStyle/>
+                    <a:p>
+                      <a:pPr marL="0" marR="0" algn="r">
+                        <a:spcBef>
+                          <a:spcPts val="0"/>
+                        </a:spcBef>
+                        <a:spcAft>
+                          <a:spcPts val="0"/>
+                        </a:spcAft>
+                      </a:pPr>
+                      <a:r>
+                        <a:rPr lang="en-US" sz="1200" dirty="0">
+                          <a:effectLst/>
+                        </a:rPr>
+                        <a:t>2.44</a:t>
+                      </a:r>
+                      <a:endParaRPr lang="en-US" sz="1200" dirty="0">
+                        <a:effectLst/>
+                        <a:latin typeface="Times New Roman" charset="0"/>
+                        <a:ea typeface="Calibri" charset="0"/>
+                      </a:endParaRPr>
+                    </a:p>
+                  </a:txBody>
+                  <a:tcPr marL="68580" marR="68580" marT="0" marB="0" anchor="b"/>
+                </a:tc>
+                <a:tc>
+                  <a:txBody>
+                    <a:bodyPr/>
+                    <a:lstStyle/>
+                    <a:p>
+                      <a:pPr marL="0" marR="0" algn="r">
+                        <a:spcBef>
+                          <a:spcPts val="0"/>
+                        </a:spcBef>
+                        <a:spcAft>
+                          <a:spcPts val="0"/>
+                        </a:spcAft>
+                      </a:pPr>
+                      <a:r>
+                        <a:rPr lang="en-US" sz="1200">
+                          <a:effectLst/>
+                        </a:rPr>
+                        <a:t>19.95</a:t>
+                      </a:r>
+                      <a:endParaRPr lang="en-US" sz="1200">
+                        <a:effectLst/>
+                        <a:latin typeface="Times New Roman" charset="0"/>
+                        <a:ea typeface="Calibri" charset="0"/>
+                      </a:endParaRPr>
+                    </a:p>
+                  </a:txBody>
+                  <a:tcPr marL="68580" marR="68580" marT="0" marB="0" anchor="b"/>
+                </a:tc>
+                <a:tc>
+                  <a:txBody>
+                    <a:bodyPr/>
+                    <a:lstStyle/>
+                    <a:p>
+                      <a:pPr marL="0" marR="0" algn="r">
+                        <a:spcBef>
+                          <a:spcPts val="0"/>
+                        </a:spcBef>
+                        <a:spcAft>
+                          <a:spcPts val="0"/>
+                        </a:spcAft>
+                      </a:pPr>
+                      <a:r>
+                        <a:rPr lang="en-US" sz="1200">
+                          <a:effectLst/>
+                        </a:rPr>
+                        <a:t>20.79</a:t>
+                      </a:r>
+                      <a:endParaRPr lang="en-US" sz="1200">
+                        <a:effectLst/>
+                        <a:latin typeface="Times New Roman" charset="0"/>
+                        <a:ea typeface="Calibri" charset="0"/>
+                      </a:endParaRPr>
+                    </a:p>
+                  </a:txBody>
+                  <a:tcPr marL="68580" marR="68580" marT="0" marB="0" anchor="b"/>
+                </a:tc>
+                <a:tc>
+                  <a:txBody>
+                    <a:bodyPr/>
+                    <a:lstStyle/>
+                    <a:p>
+                      <a:pPr marL="0" marR="0" algn="r">
+                        <a:spcBef>
+                          <a:spcPts val="0"/>
+                        </a:spcBef>
+                        <a:spcAft>
+                          <a:spcPts val="0"/>
+                        </a:spcAft>
+                      </a:pPr>
+                      <a:r>
+                        <a:rPr lang="en-US" sz="1200">
+                          <a:effectLst/>
+                        </a:rPr>
+                        <a:t>2.59</a:t>
+                      </a:r>
+                      <a:endParaRPr lang="en-US" sz="1200">
+                        <a:effectLst/>
+                        <a:latin typeface="Times New Roman" charset="0"/>
+                        <a:ea typeface="Calibri" charset="0"/>
+                      </a:endParaRPr>
+                    </a:p>
+                  </a:txBody>
+                  <a:tcPr marL="68580" marR="68580" marT="0" marB="0" anchor="b"/>
+                </a:tc>
+                <a:tc>
+                  <a:txBody>
+                    <a:bodyPr/>
+                    <a:lstStyle/>
+                    <a:p>
+                      <a:pPr marL="0" marR="0" algn="r">
+                        <a:spcBef>
+                          <a:spcPts val="0"/>
+                        </a:spcBef>
+                        <a:spcAft>
+                          <a:spcPts val="0"/>
+                        </a:spcAft>
+                      </a:pPr>
+                      <a:r>
+                        <a:rPr lang="en-US" sz="1200">
+                          <a:effectLst/>
+                        </a:rPr>
+                        <a:t>3.32</a:t>
+                      </a:r>
+                      <a:endParaRPr lang="en-US" sz="1200">
+                        <a:effectLst/>
+                        <a:latin typeface="Times New Roman" charset="0"/>
+                        <a:ea typeface="Calibri" charset="0"/>
+                      </a:endParaRPr>
+                    </a:p>
+                  </a:txBody>
+                  <a:tcPr marL="68580" marR="68580" marT="0" marB="0" anchor="b"/>
+                </a:tc>
+              </a:tr>
+              <a:tr h="215900">
+                <a:tc>
+                  <a:txBody>
+                    <a:bodyPr/>
+                    <a:lstStyle/>
+                    <a:p>
+                      <a:pPr marL="0" marR="0" algn="r">
+                        <a:spcBef>
+                          <a:spcPts val="0"/>
+                        </a:spcBef>
+                        <a:spcAft>
+                          <a:spcPts val="0"/>
+                        </a:spcAft>
+                      </a:pPr>
+                      <a:r>
+                        <a:rPr lang="en-US" sz="1200">
+                          <a:effectLst/>
+                        </a:rPr>
+                        <a:t>Random Forest</a:t>
+                      </a:r>
+                      <a:endParaRPr lang="en-US" sz="1200">
+                        <a:effectLst/>
+                        <a:latin typeface="Times New Roman" charset="0"/>
+                        <a:ea typeface="Calibri" charset="0"/>
+                      </a:endParaRPr>
+                    </a:p>
+                  </a:txBody>
+                  <a:tcPr marL="68580" marR="68580" marT="0" marB="0"/>
+                </a:tc>
+                <a:tc>
+                  <a:txBody>
+                    <a:bodyPr/>
+                    <a:lstStyle/>
+                    <a:p>
+                      <a:pPr marL="0" marR="0" algn="r">
+                        <a:spcBef>
+                          <a:spcPts val="0"/>
+                        </a:spcBef>
+                        <a:spcAft>
+                          <a:spcPts val="0"/>
+                        </a:spcAft>
+                      </a:pPr>
+                      <a:r>
+                        <a:rPr lang="en-US" sz="1200">
+                          <a:effectLst/>
+                        </a:rPr>
+                        <a:t>1.23</a:t>
+                      </a:r>
+                      <a:endParaRPr lang="en-US" sz="1200">
+                        <a:effectLst/>
+                        <a:latin typeface="Times New Roman" charset="0"/>
+                        <a:ea typeface="Calibri" charset="0"/>
+                      </a:endParaRPr>
+                    </a:p>
+                  </a:txBody>
+                  <a:tcPr marL="68580" marR="68580" marT="0" marB="0" anchor="b"/>
+                </a:tc>
+                <a:tc>
+                  <a:txBody>
+                    <a:bodyPr/>
+                    <a:lstStyle/>
+                    <a:p>
+                      <a:pPr marL="0" marR="0" algn="r">
+                        <a:spcBef>
+                          <a:spcPts val="0"/>
+                        </a:spcBef>
+                        <a:spcAft>
+                          <a:spcPts val="0"/>
+                        </a:spcAft>
+                      </a:pPr>
+                      <a:r>
+                        <a:rPr lang="en-US" sz="1200">
+                          <a:effectLst/>
+                        </a:rPr>
+                        <a:t>3.23</a:t>
+                      </a:r>
+                      <a:endParaRPr lang="en-US" sz="1200">
+                        <a:effectLst/>
+                        <a:latin typeface="Times New Roman" charset="0"/>
+                        <a:ea typeface="Calibri" charset="0"/>
+                      </a:endParaRPr>
+                    </a:p>
+                  </a:txBody>
+                  <a:tcPr marL="68580" marR="68580" marT="0" marB="0" anchor="b"/>
+                </a:tc>
+                <a:tc>
+                  <a:txBody>
+                    <a:bodyPr/>
+                    <a:lstStyle/>
+                    <a:p>
+                      <a:pPr marL="0" marR="0" algn="r">
+                        <a:spcBef>
+                          <a:spcPts val="0"/>
+                        </a:spcBef>
+                        <a:spcAft>
+                          <a:spcPts val="0"/>
+                        </a:spcAft>
+                      </a:pPr>
+                      <a:r>
+                        <a:rPr lang="en-US" sz="1200">
+                          <a:effectLst/>
+                        </a:rPr>
+                        <a:t>0.93</a:t>
+                      </a:r>
+                      <a:endParaRPr lang="en-US" sz="1200">
+                        <a:effectLst/>
+                        <a:latin typeface="Times New Roman" charset="0"/>
+                        <a:ea typeface="Calibri" charset="0"/>
+                      </a:endParaRPr>
+                    </a:p>
+                  </a:txBody>
+                  <a:tcPr marL="68580" marR="68580" marT="0" marB="0" anchor="b"/>
+                </a:tc>
+                <a:tc>
+                  <a:txBody>
+                    <a:bodyPr/>
+                    <a:lstStyle/>
+                    <a:p>
+                      <a:pPr marL="0" marR="0" algn="r">
+                        <a:spcBef>
+                          <a:spcPts val="0"/>
+                        </a:spcBef>
+                        <a:spcAft>
+                          <a:spcPts val="0"/>
+                        </a:spcAft>
+                      </a:pPr>
+                      <a:r>
+                        <a:rPr lang="en-US" sz="1200">
+                          <a:effectLst/>
+                        </a:rPr>
+                        <a:t>2.48</a:t>
+                      </a:r>
+                      <a:endParaRPr lang="en-US" sz="1200">
+                        <a:effectLst/>
+                        <a:latin typeface="Times New Roman" charset="0"/>
+                        <a:ea typeface="Calibri" charset="0"/>
+                      </a:endParaRPr>
+                    </a:p>
+                  </a:txBody>
+                  <a:tcPr marL="68580" marR="68580" marT="0" marB="0" anchor="b"/>
+                </a:tc>
+                <a:tc>
+                  <a:txBody>
+                    <a:bodyPr/>
+                    <a:lstStyle/>
+                    <a:p>
+                      <a:pPr marL="0" marR="0" algn="r">
+                        <a:spcBef>
+                          <a:spcPts val="0"/>
+                        </a:spcBef>
+                        <a:spcAft>
+                          <a:spcPts val="0"/>
+                        </a:spcAft>
+                      </a:pPr>
+                      <a:r>
+                        <a:rPr lang="en-US" sz="1200">
+                          <a:effectLst/>
+                        </a:rPr>
+                        <a:t>7.99</a:t>
+                      </a:r>
+                      <a:endParaRPr lang="en-US" sz="1200">
+                        <a:effectLst/>
+                        <a:latin typeface="Times New Roman" charset="0"/>
+                        <a:ea typeface="Calibri" charset="0"/>
+                      </a:endParaRPr>
+                    </a:p>
+                  </a:txBody>
+                  <a:tcPr marL="68580" marR="68580" marT="0" marB="0" anchor="b"/>
+                </a:tc>
+                <a:tc>
+                  <a:txBody>
+                    <a:bodyPr/>
+                    <a:lstStyle/>
+                    <a:p>
+                      <a:pPr marL="0" marR="0" algn="r">
+                        <a:spcBef>
+                          <a:spcPts val="0"/>
+                        </a:spcBef>
+                        <a:spcAft>
+                          <a:spcPts val="0"/>
+                        </a:spcAft>
+                      </a:pPr>
+                      <a:r>
+                        <a:rPr lang="en-US" sz="1200">
+                          <a:effectLst/>
+                        </a:rPr>
+                        <a:t>21.37</a:t>
+                      </a:r>
+                      <a:endParaRPr lang="en-US" sz="1200">
+                        <a:effectLst/>
+                        <a:latin typeface="Times New Roman" charset="0"/>
+                        <a:ea typeface="Calibri" charset="0"/>
+                      </a:endParaRPr>
+                    </a:p>
+                  </a:txBody>
+                  <a:tcPr marL="68580" marR="68580" marT="0" marB="0" anchor="b"/>
+                </a:tc>
+                <a:tc>
+                  <a:txBody>
+                    <a:bodyPr/>
+                    <a:lstStyle/>
+                    <a:p>
+                      <a:pPr marL="0" marR="0" algn="r">
+                        <a:spcBef>
+                          <a:spcPts val="0"/>
+                        </a:spcBef>
+                        <a:spcAft>
+                          <a:spcPts val="0"/>
+                        </a:spcAft>
+                      </a:pPr>
+                      <a:r>
+                        <a:rPr lang="en-US" sz="1200">
+                          <a:effectLst/>
+                        </a:rPr>
+                        <a:t>2.56</a:t>
+                      </a:r>
+                      <a:endParaRPr lang="en-US" sz="1200">
+                        <a:effectLst/>
+                        <a:latin typeface="Times New Roman" charset="0"/>
+                        <a:ea typeface="Calibri" charset="0"/>
+                      </a:endParaRPr>
+                    </a:p>
+                  </a:txBody>
+                  <a:tcPr marL="68580" marR="68580" marT="0" marB="0" anchor="b"/>
+                </a:tc>
+                <a:tc>
+                  <a:txBody>
+                    <a:bodyPr/>
+                    <a:lstStyle/>
+                    <a:p>
+                      <a:pPr marL="0" marR="0">
+                        <a:spcBef>
+                          <a:spcPts val="0"/>
+                        </a:spcBef>
+                        <a:spcAft>
+                          <a:spcPts val="0"/>
+                        </a:spcAft>
+                      </a:pPr>
+                      <a:r>
+                        <a:rPr lang="en-US" sz="1200">
+                          <a:effectLst/>
+                        </a:rPr>
+                        <a:t>3.34</a:t>
+                      </a:r>
+                      <a:endParaRPr lang="en-US" sz="1200">
+                        <a:effectLst/>
+                        <a:latin typeface="Times New Roman" charset="0"/>
+                        <a:ea typeface="Calibri" charset="0"/>
+                      </a:endParaRPr>
+                    </a:p>
+                  </a:txBody>
+                  <a:tcPr marL="68580" marR="68580" marT="0" marB="0" anchor="b"/>
+                </a:tc>
+              </a:tr>
+              <a:tr h="150495">
+                <a:tc>
+                  <a:txBody>
+                    <a:bodyPr/>
+                    <a:lstStyle/>
+                    <a:p>
+                      <a:pPr marL="0" marR="0" algn="r">
+                        <a:spcBef>
+                          <a:spcPts val="0"/>
+                        </a:spcBef>
+                        <a:spcAft>
+                          <a:spcPts val="0"/>
+                        </a:spcAft>
+                      </a:pPr>
+                      <a:r>
+                        <a:rPr lang="en-US" sz="1200">
+                          <a:effectLst/>
+                        </a:rPr>
+                        <a:t>KNN</a:t>
+                      </a:r>
+                      <a:endParaRPr lang="en-US" sz="1200">
+                        <a:effectLst/>
+                        <a:latin typeface="Times New Roman" charset="0"/>
+                        <a:ea typeface="Calibri" charset="0"/>
+                      </a:endParaRPr>
+                    </a:p>
+                  </a:txBody>
+                  <a:tcPr marL="68580" marR="68580" marT="0" marB="0"/>
+                </a:tc>
+                <a:tc>
+                  <a:txBody>
+                    <a:bodyPr/>
+                    <a:lstStyle/>
+                    <a:p>
+                      <a:pPr marL="0" marR="0" algn="r">
+                        <a:spcBef>
+                          <a:spcPts val="0"/>
+                        </a:spcBef>
+                        <a:spcAft>
+                          <a:spcPts val="0"/>
+                        </a:spcAft>
+                      </a:pPr>
+                      <a:r>
+                        <a:rPr lang="en-US" sz="1200" dirty="0">
+                          <a:effectLst/>
+                        </a:rPr>
+                        <a:t>3.80</a:t>
+                      </a:r>
+                      <a:endParaRPr lang="en-US" sz="1200" dirty="0">
+                        <a:effectLst/>
+                        <a:latin typeface="Times New Roman" charset="0"/>
+                        <a:ea typeface="Calibri" charset="0"/>
+                      </a:endParaRPr>
+                    </a:p>
+                  </a:txBody>
+                  <a:tcPr marL="68580" marR="68580" marT="0" marB="0" anchor="b"/>
+                </a:tc>
+                <a:tc>
+                  <a:txBody>
+                    <a:bodyPr/>
+                    <a:lstStyle/>
+                    <a:p>
+                      <a:pPr marL="0" marR="0" algn="r">
+                        <a:spcBef>
+                          <a:spcPts val="0"/>
+                        </a:spcBef>
+                        <a:spcAft>
+                          <a:spcPts val="0"/>
+                        </a:spcAft>
+                      </a:pPr>
+                      <a:r>
+                        <a:rPr lang="en-US" sz="1200">
+                          <a:effectLst/>
+                        </a:rPr>
+                        <a:t>4.63</a:t>
+                      </a:r>
+                      <a:endParaRPr lang="en-US" sz="1200">
+                        <a:effectLst/>
+                        <a:latin typeface="Times New Roman" charset="0"/>
+                        <a:ea typeface="Calibri" charset="0"/>
+                      </a:endParaRPr>
+                    </a:p>
+                  </a:txBody>
+                  <a:tcPr marL="68580" marR="68580" marT="0" marB="0" anchor="b"/>
+                </a:tc>
+                <a:tc>
+                  <a:txBody>
+                    <a:bodyPr/>
+                    <a:lstStyle/>
+                    <a:p>
+                      <a:pPr marL="0" marR="0" algn="r">
+                        <a:spcBef>
+                          <a:spcPts val="0"/>
+                        </a:spcBef>
+                        <a:spcAft>
+                          <a:spcPts val="0"/>
+                        </a:spcAft>
+                      </a:pPr>
+                      <a:r>
+                        <a:rPr lang="en-US" sz="1200">
+                          <a:effectLst/>
+                        </a:rPr>
+                        <a:t>2.96</a:t>
+                      </a:r>
+                      <a:endParaRPr lang="en-US" sz="1200">
+                        <a:effectLst/>
+                        <a:latin typeface="Times New Roman" charset="0"/>
+                        <a:ea typeface="Calibri" charset="0"/>
+                      </a:endParaRPr>
+                    </a:p>
+                  </a:txBody>
+                  <a:tcPr marL="68580" marR="68580" marT="0" marB="0" anchor="b"/>
+                </a:tc>
+                <a:tc>
+                  <a:txBody>
+                    <a:bodyPr/>
+                    <a:lstStyle/>
+                    <a:p>
+                      <a:pPr marL="0" marR="0" algn="r">
+                        <a:spcBef>
+                          <a:spcPts val="0"/>
+                        </a:spcBef>
+                        <a:spcAft>
+                          <a:spcPts val="0"/>
+                        </a:spcAft>
+                      </a:pPr>
+                      <a:r>
+                        <a:rPr lang="en-US" sz="1200">
+                          <a:effectLst/>
+                        </a:rPr>
+                        <a:t>3.62</a:t>
+                      </a:r>
+                      <a:endParaRPr lang="en-US" sz="1200">
+                        <a:effectLst/>
+                        <a:latin typeface="Times New Roman" charset="0"/>
+                        <a:ea typeface="Calibri" charset="0"/>
+                      </a:endParaRPr>
+                    </a:p>
+                  </a:txBody>
+                  <a:tcPr marL="68580" marR="68580" marT="0" marB="0" anchor="b"/>
+                </a:tc>
+                <a:tc>
+                  <a:txBody>
+                    <a:bodyPr/>
+                    <a:lstStyle/>
+                    <a:p>
+                      <a:pPr marL="0" marR="0" algn="r">
+                        <a:spcBef>
+                          <a:spcPts val="0"/>
+                        </a:spcBef>
+                        <a:spcAft>
+                          <a:spcPts val="0"/>
+                        </a:spcAft>
+                      </a:pPr>
+                      <a:r>
+                        <a:rPr lang="en-US" sz="1200">
+                          <a:effectLst/>
+                        </a:rPr>
+                        <a:t>26.61</a:t>
+                      </a:r>
+                      <a:endParaRPr lang="en-US" sz="1200">
+                        <a:effectLst/>
+                        <a:latin typeface="Times New Roman" charset="0"/>
+                        <a:ea typeface="Calibri" charset="0"/>
+                      </a:endParaRPr>
+                    </a:p>
+                  </a:txBody>
+                  <a:tcPr marL="68580" marR="68580" marT="0" marB="0" anchor="b"/>
+                </a:tc>
+                <a:tc>
+                  <a:txBody>
+                    <a:bodyPr/>
+                    <a:lstStyle/>
+                    <a:p>
+                      <a:pPr marL="0" marR="0" algn="r">
+                        <a:spcBef>
+                          <a:spcPts val="0"/>
+                        </a:spcBef>
+                        <a:spcAft>
+                          <a:spcPts val="0"/>
+                        </a:spcAft>
+                      </a:pPr>
+                      <a:r>
+                        <a:rPr lang="en-US" sz="1200">
+                          <a:effectLst/>
+                        </a:rPr>
+                        <a:t>32.67</a:t>
+                      </a:r>
+                      <a:endParaRPr lang="en-US" sz="1200">
+                        <a:effectLst/>
+                        <a:latin typeface="Times New Roman" charset="0"/>
+                        <a:ea typeface="Calibri" charset="0"/>
+                      </a:endParaRPr>
+                    </a:p>
+                  </a:txBody>
+                  <a:tcPr marL="68580" marR="68580" marT="0" marB="0" anchor="b"/>
+                </a:tc>
+                <a:tc>
+                  <a:txBody>
+                    <a:bodyPr/>
+                    <a:lstStyle/>
+                    <a:p>
+                      <a:pPr marL="0" marR="0">
+                        <a:spcBef>
+                          <a:spcPts val="0"/>
+                        </a:spcBef>
+                        <a:spcAft>
+                          <a:spcPts val="0"/>
+                        </a:spcAft>
+                      </a:pPr>
+                      <a:r>
+                        <a:rPr lang="en-US" sz="1200">
+                          <a:effectLst/>
+                        </a:rPr>
+                        <a:t> N/a</a:t>
+                      </a:r>
+                      <a:endParaRPr lang="en-US" sz="1200">
+                        <a:effectLst/>
+                        <a:latin typeface="Times New Roman" charset="0"/>
+                        <a:ea typeface="Calibri" charset="0"/>
+                      </a:endParaRPr>
+                    </a:p>
+                  </a:txBody>
+                  <a:tcPr marL="68580" marR="68580" marT="0" marB="0" anchor="b"/>
+                </a:tc>
+                <a:tc>
+                  <a:txBody>
+                    <a:bodyPr/>
+                    <a:lstStyle/>
+                    <a:p>
+                      <a:pPr marL="0" marR="0">
+                        <a:spcBef>
+                          <a:spcPts val="0"/>
+                        </a:spcBef>
+                        <a:spcAft>
+                          <a:spcPts val="0"/>
+                        </a:spcAft>
+                      </a:pPr>
+                      <a:r>
+                        <a:rPr lang="en-US" sz="1200" dirty="0">
+                          <a:effectLst/>
+                        </a:rPr>
+                        <a:t> N/a</a:t>
+                      </a:r>
+                      <a:endParaRPr lang="en-US" sz="1200" dirty="0">
+                        <a:effectLst/>
+                        <a:latin typeface="Times New Roman" charset="0"/>
+                        <a:ea typeface="Calibri" charset="0"/>
+                      </a:endParaRPr>
+                    </a:p>
+                  </a:txBody>
+                  <a:tcPr marL="68580" marR="68580" marT="0" marB="0" anchor="b"/>
+                </a:tc>
+              </a:tr>
+            </a:tbl>
+          </a:graphicData>
+        </a:graphic>
+      </p:graphicFrame>
+      <p:sp>
+        <p:nvSpPr>
+          <p:cNvPr id="5" name="TextBox 4"/>
+          <p:cNvSpPr txBox="1"/>
+          <p:nvPr/>
+        </p:nvSpPr>
+        <p:spPr>
+          <a:xfrm>
+            <a:off x="3858322" y="3969834"/>
+            <a:ext cx="2212144" cy="369332"/>
+          </a:xfrm>
+          <a:prstGeom prst="rect">
+            <a:avLst/>
+          </a:prstGeom>
+          <a:noFill/>
+        </p:spPr>
+        <p:txBody>
+          <a:bodyPr wrap="none" rtlCol="0">
+            <a:spAutoFit/>
+          </a:bodyPr>
+          <a:lstStyle/>
+          <a:p>
+            <a:r>
+              <a:rPr lang="en-US" dirty="0" smtClean="0"/>
+              <a:t>Example Error Rates:</a:t>
+            </a:r>
+            <a:endParaRPr lang="en-US" dirty="0"/>
           </a:p>
         </p:txBody>
       </p:sp>
     </p:spTree>
     <p:extLst>
       <p:ext uri="{BB962C8B-B14F-4D97-AF65-F5344CB8AC3E}">
-        <p14:creationId xmlns:p14="http://schemas.microsoft.com/office/powerpoint/2010/main" val="1708023785"/>
+        <p14:creationId xmlns:p14="http://schemas.microsoft.com/office/powerpoint/2010/main" val="684272432"/>
       </p:ext>
     </p:extLst>
   </p:cSld>
@@ -4417,35 +5936,193 @@
           <a:p>
             <a:r>
               <a:rPr lang="en-US" dirty="0" smtClean="0"/>
-              <a:t>Prediction Models</a:t>
+              <a:t>API Deployment</a:t>
             </a:r>
             <a:endParaRPr lang="en-US" dirty="0"/>
           </a:p>
         </p:txBody>
       </p:sp>
-      <p:sp>
-        <p:nvSpPr>
-          <p:cNvPr id="3" name="Content Placeholder 2"/>
-          <p:cNvSpPr>
-            <a:spLocks noGrp="1"/>
-          </p:cNvSpPr>
+      <p:pic>
+        <p:nvPicPr>
+          <p:cNvPr id="4" name="Content Placeholder 3"/>
+          <p:cNvPicPr>
+            <a:picLocks noGrp="1" noChangeAspect="1"/>
+          </p:cNvPicPr>
           <p:nvPr>
             <p:ph idx="1"/>
           </p:nvPr>
-        </p:nvSpPr>
-        <p:spPr/>
-        <p:txBody>
-          <a:bodyPr/>
+        </p:nvPicPr>
+        <p:blipFill>
+          <a:blip r:embed="rId2">
+            <a:extLst>
+              <a:ext uri="{28A0092B-C50C-407E-A947-70E740481C1C}">
+                <a14:useLocalDpi xmlns:a14="http://schemas.microsoft.com/office/drawing/2010/main" val="0"/>
+              </a:ext>
+            </a:extLst>
+          </a:blip>
+          <a:stretch>
+            <a:fillRect/>
+          </a:stretch>
+        </p:blipFill>
+        <p:spPr>
+          <a:xfrm>
+            <a:off x="6853714" y="3071225"/>
+            <a:ext cx="4524822" cy="3581400"/>
+          </a:xfrm>
+        </p:spPr>
+      </p:pic>
+      <p:pic>
+        <p:nvPicPr>
+          <p:cNvPr id="5" name="Picture 4"/>
+          <p:cNvPicPr>
+            <a:picLocks noChangeAspect="1"/>
+          </p:cNvPicPr>
+          <p:nvPr/>
+        </p:nvPicPr>
+        <p:blipFill>
+          <a:blip r:embed="rId3">
+            <a:extLst>
+              <a:ext uri="{28A0092B-C50C-407E-A947-70E740481C1C}">
+                <a14:useLocalDpi xmlns:a14="http://schemas.microsoft.com/office/drawing/2010/main" val="0"/>
+              </a:ext>
+            </a:extLst>
+          </a:blip>
+          <a:stretch>
+            <a:fillRect/>
+          </a:stretch>
+        </p:blipFill>
+        <p:spPr>
+          <a:xfrm>
+            <a:off x="1868095" y="3065854"/>
+            <a:ext cx="4019749" cy="3586771"/>
+          </a:xfrm>
+          <a:prstGeom prst="rect">
+            <a:avLst/>
+          </a:prstGeom>
+        </p:spPr>
+      </p:pic>
+      <p:sp>
+        <p:nvSpPr>
+          <p:cNvPr id="6" name="TextBox 5"/>
+          <p:cNvSpPr txBox="1"/>
+          <p:nvPr/>
+        </p:nvSpPr>
+        <p:spPr>
+          <a:xfrm>
+            <a:off x="1868095" y="2696522"/>
+            <a:ext cx="2836289" cy="369332"/>
+          </a:xfrm>
+          <a:prstGeom prst="rect">
+            <a:avLst/>
+          </a:prstGeom>
+          <a:noFill/>
+        </p:spPr>
+        <p:txBody>
+          <a:bodyPr wrap="none" rtlCol="0">
+            <a:spAutoFit/>
+          </a:bodyPr>
           <a:lstStyle/>
           <a:p>
+            <a:r>
+              <a:rPr lang="en-US" smtClean="0"/>
+              <a:t>Example Training Workflow:</a:t>
+            </a:r>
+            <a:endParaRPr lang="en-US"/>
+          </a:p>
+        </p:txBody>
+      </p:sp>
+      <p:sp>
+        <p:nvSpPr>
+          <p:cNvPr id="7" name="TextBox 6"/>
+          <p:cNvSpPr txBox="1"/>
+          <p:nvPr/>
+        </p:nvSpPr>
+        <p:spPr>
+          <a:xfrm>
+            <a:off x="7047574" y="2698589"/>
+            <a:ext cx="3275192" cy="369332"/>
+          </a:xfrm>
+          <a:prstGeom prst="rect">
+            <a:avLst/>
+          </a:prstGeom>
+          <a:noFill/>
+        </p:spPr>
+        <p:txBody>
+          <a:bodyPr wrap="none" rtlCol="0">
+            <a:spAutoFit/>
+          </a:bodyPr>
+          <a:lstStyle/>
+          <a:p>
+            <a:r>
+              <a:rPr lang="en-US" dirty="0" smtClean="0"/>
+              <a:t>Example Web Service Workflow:</a:t>
+            </a:r>
             <a:endParaRPr lang="en-US" dirty="0"/>
+          </a:p>
+        </p:txBody>
+      </p:sp>
+      <p:sp>
+        <p:nvSpPr>
+          <p:cNvPr id="8" name="TextBox 7"/>
+          <p:cNvSpPr txBox="1"/>
+          <p:nvPr/>
+        </p:nvSpPr>
+        <p:spPr>
+          <a:xfrm>
+            <a:off x="1335594" y="1518371"/>
+            <a:ext cx="10768332" cy="1015663"/>
+          </a:xfrm>
+          <a:prstGeom prst="rect">
+            <a:avLst/>
+          </a:prstGeom>
+          <a:noFill/>
+        </p:spPr>
+        <p:txBody>
+          <a:bodyPr wrap="none" rtlCol="0">
+            <a:spAutoFit/>
+          </a:bodyPr>
+          <a:lstStyle/>
+          <a:p>
+            <a:r>
+              <a:rPr lang="en-US" sz="2000" dirty="0" smtClean="0"/>
+              <a:t>Although the data without clustering and </a:t>
+            </a:r>
+            <a:r>
+              <a:rPr lang="en-US" sz="2000" dirty="0" err="1" smtClean="0"/>
+              <a:t>KMeans</a:t>
+            </a:r>
+            <a:r>
+              <a:rPr lang="en-US" sz="2000" dirty="0" smtClean="0"/>
+              <a:t> clusters performed better with Neural Networks </a:t>
+            </a:r>
+          </a:p>
+          <a:p>
+            <a:r>
+              <a:rPr lang="en-US" sz="2000" dirty="0" smtClean="0"/>
+              <a:t>in Python, </a:t>
+            </a:r>
+            <a:r>
+              <a:rPr lang="en-US" sz="2000" dirty="0" err="1" smtClean="0"/>
+              <a:t>Azlure</a:t>
+            </a:r>
+            <a:r>
+              <a:rPr lang="en-US" sz="2000" dirty="0" smtClean="0"/>
+              <a:t> ML’s implementation of the algorithm was not optimal and we chose to use </a:t>
+            </a:r>
+          </a:p>
+          <a:p>
+            <a:r>
+              <a:rPr lang="en-US" sz="2000" dirty="0" smtClean="0"/>
+              <a:t>Random Forest for all APIs</a:t>
+            </a:r>
+            <a:endParaRPr lang="en-US" sz="2000" dirty="0"/>
           </a:p>
         </p:txBody>
       </p:sp>
     </p:spTree>
     <p:extLst>
       <p:ext uri="{BB962C8B-B14F-4D97-AF65-F5344CB8AC3E}">
-        <p14:creationId xmlns:p14="http://schemas.microsoft.com/office/powerpoint/2010/main" val="684272432"/>
+        <p14:creationId xmlns:p14="http://schemas.microsoft.com/office/powerpoint/2010/main" val="967525059"/>
       </p:ext>
     </p:extLst>
   </p:cSld>
@@ -4489,7 +6166,7 @@
           <a:p>
             <a:r>
               <a:rPr lang="en-US" dirty="0" smtClean="0"/>
-              <a:t>Prediction Models</a:t>
+              <a:t>Deployment</a:t>
             </a:r>
             <a:endParaRPr lang="en-US" dirty="0"/>
           </a:p>
@@ -4510,14 +6187,68 @@
           <a:bodyPr/>
           <a:lstStyle/>
           <a:p>
-            <a:endParaRPr lang="en-US"/>
-          </a:p>
-        </p:txBody>
-      </p:sp>
+            <a:r>
+              <a:rPr lang="en-US" dirty="0" smtClean="0"/>
+              <a:t>We deployed the final workflow using </a:t>
+            </a:r>
+            <a:r>
+              <a:rPr lang="en-US" dirty="0" err="1" smtClean="0"/>
+              <a:t>Jupyter</a:t>
+            </a:r>
+            <a:r>
+              <a:rPr lang="en-US" dirty="0" smtClean="0"/>
+              <a:t> Notebook</a:t>
+            </a:r>
+          </a:p>
+          <a:p>
+            <a:r>
+              <a:rPr lang="en-US" dirty="0" smtClean="0"/>
+              <a:t>It accepts user input, grouping our selected 40 features into required and optional inputs</a:t>
+            </a:r>
+          </a:p>
+          <a:p>
+            <a:r>
+              <a:rPr lang="en-US" dirty="0" smtClean="0"/>
+              <a:t>It then cleans the input, calls the classification API and returns a message that the application was declined or assigns clusters and calls the prediction APIs, returning the highest calculated interest rate</a:t>
+            </a:r>
+            <a:endParaRPr lang="en-US" dirty="0"/>
+          </a:p>
+        </p:txBody>
+      </p:sp>
+      <p:pic>
+        <p:nvPicPr>
+          <p:cNvPr id="4" name="Picture 3"/>
+          <p:cNvPicPr>
+            <a:picLocks noChangeAspect="1"/>
+          </p:cNvPicPr>
+          <p:nvPr/>
+        </p:nvPicPr>
+        <p:blipFill>
+          <a:blip r:embed="rId2">
+            <a:extLst>
+              <a:ext uri="{28A0092B-C50C-407E-A947-70E740481C1C}">
+                <a14:useLocalDpi xmlns:a14="http://schemas.microsoft.com/office/drawing/2010/main" val="0"/>
+              </a:ext>
+            </a:extLst>
+          </a:blip>
+          <a:stretch>
+            <a:fillRect/>
+          </a:stretch>
+        </p:blipFill>
+        <p:spPr>
+          <a:xfrm>
+            <a:off x="1371600" y="4965390"/>
+            <a:ext cx="9589850" cy="632522"/>
+          </a:xfrm>
+          <a:prstGeom prst="rect">
+            <a:avLst/>
+          </a:prstGeom>
+        </p:spPr>
+      </p:pic>
     </p:spTree>
     <p:extLst>
       <p:ext uri="{BB962C8B-B14F-4D97-AF65-F5344CB8AC3E}">
-        <p14:creationId xmlns:p14="http://schemas.microsoft.com/office/powerpoint/2010/main" val="967525059"/>
+        <p14:creationId xmlns:p14="http://schemas.microsoft.com/office/powerpoint/2010/main" val="168691381"/>
       </p:ext>
     </p:extLst>
   </p:cSld>
@@ -4561,7 +6292,7 @@
           <a:p>
             <a:r>
               <a:rPr lang="en-US" dirty="0" smtClean="0"/>
-              <a:t>Deployment</a:t>
+              <a:t>Conclusion</a:t>
             </a:r>
             <a:endParaRPr lang="en-US" dirty="0"/>
           </a:p>
@@ -4582,14 +6313,39 @@
           <a:bodyPr/>
           <a:lstStyle/>
           <a:p>
-            <a:endParaRPr lang="en-US"/>
+            <a:r>
+              <a:rPr lang="en-US" dirty="0" smtClean="0"/>
+              <a:t>Lending club has a straight-forward method of accepting or declining loan applications but their model for assigning interest rates is much more complex</a:t>
+            </a:r>
+          </a:p>
+          <a:p>
+            <a:r>
+              <a:rPr lang="en-US" dirty="0" smtClean="0"/>
+              <a:t>As a result we had high accuracy with our classification model, but our results for prediction were less accurate and non-linear methods had greater </a:t>
+            </a:r>
+            <a:r>
+              <a:rPr lang="en-US" smtClean="0"/>
+              <a:t>overall accuracy</a:t>
+            </a:r>
+            <a:endParaRPr lang="en-US" dirty="0" smtClean="0"/>
+          </a:p>
+          <a:p>
+            <a:r>
+              <a:rPr lang="en-US" dirty="0"/>
+              <a:t>E</a:t>
+            </a:r>
+            <a:r>
+              <a:rPr lang="en-US" dirty="0" smtClean="0"/>
+              <a:t>rror rates varied significantly between clusters suggesting some groupings approximated Lending Club’s grades more closely than others</a:t>
+            </a:r>
+            <a:endParaRPr lang="en-US" dirty="0"/>
           </a:p>
         </p:txBody>
       </p:sp>
     </p:spTree>
     <p:extLst>
       <p:ext uri="{BB962C8B-B14F-4D97-AF65-F5344CB8AC3E}">
-        <p14:creationId xmlns:p14="http://schemas.microsoft.com/office/powerpoint/2010/main" val="168691381"/>
+        <p14:creationId xmlns:p14="http://schemas.microsoft.com/office/powerpoint/2010/main" val="1684409566"/>
       </p:ext>
     </p:extLst>
   </p:cSld>
@@ -5469,11 +7225,719 @@
             <p:ph idx="1"/>
           </p:nvPr>
         </p:nvSpPr>
-        <p:spPr/>
+        <p:spPr>
+          <a:xfrm>
+            <a:off x="1371600" y="1661885"/>
+            <a:ext cx="9601200" cy="3581400"/>
+          </a:xfrm>
+        </p:spPr>
         <p:txBody>
           <a:bodyPr/>
           <a:lstStyle/>
           <a:p>
+            <a:pPr marL="0" indent="0">
+              <a:buNone/>
+            </a:pPr>
+            <a:r>
+              <a:rPr lang="en-US" dirty="0" smtClean="0"/>
+              <a:t>Because the Lending Club loan qualification criteria are clearly defined, our classification models all performed well. We chose to use Random Forests for API deployment.</a:t>
+            </a:r>
+            <a:endParaRPr lang="en-US" dirty="0"/>
+          </a:p>
+        </p:txBody>
+      </p:sp>
+      <p:graphicFrame>
+        <p:nvGraphicFramePr>
+          <p:cNvPr id="4" name="Table 3"/>
+          <p:cNvGraphicFramePr>
+            <a:graphicFrameLocks noGrp="1"/>
+          </p:cNvGraphicFramePr>
+          <p:nvPr>
+            <p:extLst>
+              <p:ext uri="{D42A27DB-BD31-4B8C-83A1-F6EECF244321}">
+                <p14:modId xmlns:p14="http://schemas.microsoft.com/office/powerpoint/2010/main" val="1616545914"/>
+              </p:ext>
+            </p:extLst>
+          </p:nvPr>
+        </p:nvGraphicFramePr>
+        <p:xfrm>
+          <a:off x="1596572" y="3147785"/>
+          <a:ext cx="5355772" cy="2570844"/>
+        </p:xfrm>
+        <a:graphic>
+          <a:graphicData uri="http://schemas.openxmlformats.org/drawingml/2006/table">
+            <a:tbl>
+              <a:tblPr firstRow="1" firstCol="1" bandRow="1">
+                <a:tableStyleId>{5C22544A-7EE6-4342-B048-85BDC9FD1C3A}</a:tableStyleId>
+              </a:tblPr>
+              <a:tblGrid>
+                <a:gridCol w="1281966"/>
+                <a:gridCol w="968597"/>
+                <a:gridCol w="997086"/>
+                <a:gridCol w="1039818"/>
+                <a:gridCol w="1068305"/>
+              </a:tblGrid>
+              <a:tr h="733799">
+                <a:tc>
+                  <a:txBody>
+                    <a:bodyPr/>
+                    <a:lstStyle/>
+                    <a:p>
+                      <a:pPr marL="0" marR="0">
+                        <a:spcBef>
+                          <a:spcPts val="0"/>
+                        </a:spcBef>
+                        <a:spcAft>
+                          <a:spcPts val="0"/>
+                        </a:spcAft>
+                      </a:pPr>
+                      <a:r>
+                        <a:rPr lang="en-US" sz="1200">
+                          <a:effectLst/>
+                        </a:rPr>
+                        <a:t>Model</a:t>
+                      </a:r>
+                      <a:endParaRPr lang="en-US" sz="1200">
+                        <a:effectLst/>
+                        <a:latin typeface="Times New Roman" charset="0"/>
+                        <a:ea typeface="Calibri" charset="0"/>
+                      </a:endParaRPr>
+                    </a:p>
+                  </a:txBody>
+                  <a:tcPr marL="68580" marR="68580" marT="0" marB="0" anchor="b"/>
+                </a:tc>
+                <a:tc>
+                  <a:txBody>
+                    <a:bodyPr/>
+                    <a:lstStyle/>
+                    <a:p>
+                      <a:pPr marL="0" marR="0">
+                        <a:spcBef>
+                          <a:spcPts val="0"/>
+                        </a:spcBef>
+                        <a:spcAft>
+                          <a:spcPts val="0"/>
+                        </a:spcAft>
+                      </a:pPr>
+                      <a:r>
+                        <a:rPr lang="en-US" sz="1200" dirty="0">
+                          <a:effectLst/>
+                        </a:rPr>
+                        <a:t>True Positives</a:t>
+                      </a:r>
+                      <a:endParaRPr lang="en-US" sz="1200" dirty="0">
+                        <a:effectLst/>
+                        <a:latin typeface="Times New Roman" charset="0"/>
+                        <a:ea typeface="Calibri" charset="0"/>
+                      </a:endParaRPr>
+                    </a:p>
+                  </a:txBody>
+                  <a:tcPr marL="68580" marR="68580" marT="0" marB="0" anchor="b"/>
+                </a:tc>
+                <a:tc>
+                  <a:txBody>
+                    <a:bodyPr/>
+                    <a:lstStyle/>
+                    <a:p>
+                      <a:pPr marL="0" marR="0">
+                        <a:spcBef>
+                          <a:spcPts val="0"/>
+                        </a:spcBef>
+                        <a:spcAft>
+                          <a:spcPts val="0"/>
+                        </a:spcAft>
+                      </a:pPr>
+                      <a:r>
+                        <a:rPr lang="en-US" sz="1200" dirty="0">
+                          <a:effectLst/>
+                        </a:rPr>
+                        <a:t>False Positives</a:t>
+                      </a:r>
+                      <a:endParaRPr lang="en-US" sz="1200" dirty="0">
+                        <a:effectLst/>
+                        <a:latin typeface="Times New Roman" charset="0"/>
+                        <a:ea typeface="Calibri" charset="0"/>
+                      </a:endParaRPr>
+                    </a:p>
+                  </a:txBody>
+                  <a:tcPr marL="68580" marR="68580" marT="0" marB="0" anchor="b"/>
+                </a:tc>
+                <a:tc>
+                  <a:txBody>
+                    <a:bodyPr/>
+                    <a:lstStyle/>
+                    <a:p>
+                      <a:pPr marL="0" marR="0">
+                        <a:spcBef>
+                          <a:spcPts val="0"/>
+                        </a:spcBef>
+                        <a:spcAft>
+                          <a:spcPts val="0"/>
+                        </a:spcAft>
+                      </a:pPr>
+                      <a:r>
+                        <a:rPr lang="en-US" sz="1200">
+                          <a:effectLst/>
+                        </a:rPr>
+                        <a:t>True Negatives</a:t>
+                      </a:r>
+                      <a:endParaRPr lang="en-US" sz="1200">
+                        <a:effectLst/>
+                        <a:latin typeface="Times New Roman" charset="0"/>
+                        <a:ea typeface="Calibri" charset="0"/>
+                      </a:endParaRPr>
+                    </a:p>
+                  </a:txBody>
+                  <a:tcPr marL="68580" marR="68580" marT="0" marB="0" anchor="b"/>
+                </a:tc>
+                <a:tc>
+                  <a:txBody>
+                    <a:bodyPr/>
+                    <a:lstStyle/>
+                    <a:p>
+                      <a:pPr marL="0" marR="0">
+                        <a:spcBef>
+                          <a:spcPts val="0"/>
+                        </a:spcBef>
+                        <a:spcAft>
+                          <a:spcPts val="0"/>
+                        </a:spcAft>
+                      </a:pPr>
+                      <a:r>
+                        <a:rPr lang="en-US" sz="1200">
+                          <a:effectLst/>
+                        </a:rPr>
+                        <a:t>False Negatives</a:t>
+                      </a:r>
+                      <a:endParaRPr lang="en-US" sz="1200">
+                        <a:effectLst/>
+                        <a:latin typeface="Times New Roman" charset="0"/>
+                        <a:ea typeface="Calibri" charset="0"/>
+                      </a:endParaRPr>
+                    </a:p>
+                  </a:txBody>
+                  <a:tcPr marL="68580" marR="68580" marT="0" marB="0" anchor="b"/>
+                </a:tc>
+              </a:tr>
+              <a:tr h="733799">
+                <a:tc>
+                  <a:txBody>
+                    <a:bodyPr/>
+                    <a:lstStyle/>
+                    <a:p>
+                      <a:pPr marL="0" marR="0">
+                        <a:spcBef>
+                          <a:spcPts val="0"/>
+                        </a:spcBef>
+                        <a:spcAft>
+                          <a:spcPts val="0"/>
+                        </a:spcAft>
+                      </a:pPr>
+                      <a:r>
+                        <a:rPr lang="en-US" sz="1200">
+                          <a:effectLst/>
+                        </a:rPr>
+                        <a:t>Logistic Regression</a:t>
+                      </a:r>
+                      <a:endParaRPr lang="en-US" sz="1200">
+                        <a:effectLst/>
+                        <a:latin typeface="Times New Roman" charset="0"/>
+                        <a:ea typeface="Calibri" charset="0"/>
+                      </a:endParaRPr>
+                    </a:p>
+                  </a:txBody>
+                  <a:tcPr marL="68580" marR="68580" marT="0" marB="0" anchor="b"/>
+                </a:tc>
+                <a:tc>
+                  <a:txBody>
+                    <a:bodyPr/>
+                    <a:lstStyle/>
+                    <a:p>
+                      <a:pPr marL="0" marR="0" algn="r">
+                        <a:spcBef>
+                          <a:spcPts val="0"/>
+                        </a:spcBef>
+                        <a:spcAft>
+                          <a:spcPts val="0"/>
+                        </a:spcAft>
+                      </a:pPr>
+                      <a:r>
+                        <a:rPr lang="en-US" sz="1200" dirty="0">
+                          <a:effectLst/>
+                        </a:rPr>
+                        <a:t>3216939</a:t>
+                      </a:r>
+                      <a:endParaRPr lang="en-US" sz="1200" dirty="0">
+                        <a:effectLst/>
+                        <a:latin typeface="Times New Roman" charset="0"/>
+                        <a:ea typeface="Calibri" charset="0"/>
+                      </a:endParaRPr>
+                    </a:p>
+                  </a:txBody>
+                  <a:tcPr marL="68580" marR="68580" marT="0" marB="0" anchor="b"/>
+                </a:tc>
+                <a:tc>
+                  <a:txBody>
+                    <a:bodyPr/>
+                    <a:lstStyle/>
+                    <a:p>
+                      <a:pPr marL="0" marR="0" algn="r">
+                        <a:spcBef>
+                          <a:spcPts val="0"/>
+                        </a:spcBef>
+                        <a:spcAft>
+                          <a:spcPts val="0"/>
+                        </a:spcAft>
+                      </a:pPr>
+                      <a:r>
+                        <a:rPr lang="en-US" sz="1200" dirty="0">
+                          <a:effectLst/>
+                        </a:rPr>
+                        <a:t>8949</a:t>
+                      </a:r>
+                      <a:endParaRPr lang="en-US" sz="1200" dirty="0">
+                        <a:effectLst/>
+                        <a:latin typeface="Times New Roman" charset="0"/>
+                        <a:ea typeface="Calibri" charset="0"/>
+                      </a:endParaRPr>
+                    </a:p>
+                  </a:txBody>
+                  <a:tcPr marL="68580" marR="68580" marT="0" marB="0" anchor="b"/>
+                </a:tc>
+                <a:tc>
+                  <a:txBody>
+                    <a:bodyPr/>
+                    <a:lstStyle/>
+                    <a:p>
+                      <a:pPr marL="0" marR="0" algn="r">
+                        <a:spcBef>
+                          <a:spcPts val="0"/>
+                        </a:spcBef>
+                        <a:spcAft>
+                          <a:spcPts val="0"/>
+                        </a:spcAft>
+                      </a:pPr>
+                      <a:r>
+                        <a:rPr lang="en-US" sz="1200" dirty="0">
+                          <a:effectLst/>
+                        </a:rPr>
+                        <a:t>302817</a:t>
+                      </a:r>
+                      <a:endParaRPr lang="en-US" sz="1200" dirty="0">
+                        <a:effectLst/>
+                        <a:latin typeface="Times New Roman" charset="0"/>
+                        <a:ea typeface="Calibri" charset="0"/>
+                      </a:endParaRPr>
+                    </a:p>
+                  </a:txBody>
+                  <a:tcPr marL="68580" marR="68580" marT="0" marB="0" anchor="b"/>
+                </a:tc>
+                <a:tc>
+                  <a:txBody>
+                    <a:bodyPr/>
+                    <a:lstStyle/>
+                    <a:p>
+                      <a:pPr marL="0" marR="0" algn="r">
+                        <a:spcBef>
+                          <a:spcPts val="0"/>
+                        </a:spcBef>
+                        <a:spcAft>
+                          <a:spcPts val="0"/>
+                        </a:spcAft>
+                      </a:pPr>
+                      <a:r>
+                        <a:rPr lang="en-US" sz="1200" dirty="0">
+                          <a:effectLst/>
+                        </a:rPr>
+                        <a:t>108</a:t>
+                      </a:r>
+                      <a:endParaRPr lang="en-US" sz="1200" dirty="0">
+                        <a:effectLst/>
+                        <a:latin typeface="Times New Roman" charset="0"/>
+                        <a:ea typeface="Calibri" charset="0"/>
+                      </a:endParaRPr>
+                    </a:p>
+                  </a:txBody>
+                  <a:tcPr marL="68580" marR="68580" marT="0" marB="0" anchor="b"/>
+                </a:tc>
+              </a:tr>
+              <a:tr h="369447">
+                <a:tc>
+                  <a:txBody>
+                    <a:bodyPr/>
+                    <a:lstStyle/>
+                    <a:p>
+                      <a:pPr marL="0" marR="0">
+                        <a:spcBef>
+                          <a:spcPts val="0"/>
+                        </a:spcBef>
+                        <a:spcAft>
+                          <a:spcPts val="0"/>
+                        </a:spcAft>
+                      </a:pPr>
+                      <a:r>
+                        <a:rPr lang="en-US" sz="1200">
+                          <a:effectLst/>
+                        </a:rPr>
+                        <a:t>Random Forest</a:t>
+                      </a:r>
+                      <a:endParaRPr lang="en-US" sz="1200">
+                        <a:effectLst/>
+                        <a:latin typeface="Times New Roman" charset="0"/>
+                        <a:ea typeface="Calibri" charset="0"/>
+                      </a:endParaRPr>
+                    </a:p>
+                  </a:txBody>
+                  <a:tcPr marL="68580" marR="68580" marT="0" marB="0" anchor="b"/>
+                </a:tc>
+                <a:tc>
+                  <a:txBody>
+                    <a:bodyPr/>
+                    <a:lstStyle/>
+                    <a:p>
+                      <a:pPr marL="0" marR="0" algn="r">
+                        <a:spcBef>
+                          <a:spcPts val="0"/>
+                        </a:spcBef>
+                        <a:spcAft>
+                          <a:spcPts val="0"/>
+                        </a:spcAft>
+                      </a:pPr>
+                      <a:r>
+                        <a:rPr lang="en-US" sz="1200">
+                          <a:effectLst/>
+                        </a:rPr>
+                        <a:t>3226328</a:t>
+                      </a:r>
+                      <a:endParaRPr lang="en-US" sz="1200">
+                        <a:effectLst/>
+                        <a:latin typeface="Times New Roman" charset="0"/>
+                        <a:ea typeface="Calibri" charset="0"/>
+                      </a:endParaRPr>
+                    </a:p>
+                  </a:txBody>
+                  <a:tcPr marL="68580" marR="68580" marT="0" marB="0" anchor="b"/>
+                </a:tc>
+                <a:tc>
+                  <a:txBody>
+                    <a:bodyPr/>
+                    <a:lstStyle/>
+                    <a:p>
+                      <a:pPr marL="0" marR="0" algn="r">
+                        <a:spcBef>
+                          <a:spcPts val="0"/>
+                        </a:spcBef>
+                        <a:spcAft>
+                          <a:spcPts val="0"/>
+                        </a:spcAft>
+                      </a:pPr>
+                      <a:r>
+                        <a:rPr lang="en-US" sz="1200">
+                          <a:effectLst/>
+                        </a:rPr>
+                        <a:t>0</a:t>
+                      </a:r>
+                      <a:endParaRPr lang="en-US" sz="1200">
+                        <a:effectLst/>
+                        <a:latin typeface="Times New Roman" charset="0"/>
+                        <a:ea typeface="Calibri" charset="0"/>
+                      </a:endParaRPr>
+                    </a:p>
+                  </a:txBody>
+                  <a:tcPr marL="68580" marR="68580" marT="0" marB="0" anchor="b"/>
+                </a:tc>
+                <a:tc>
+                  <a:txBody>
+                    <a:bodyPr/>
+                    <a:lstStyle/>
+                    <a:p>
+                      <a:pPr marL="0" marR="0" algn="r">
+                        <a:spcBef>
+                          <a:spcPts val="0"/>
+                        </a:spcBef>
+                        <a:spcAft>
+                          <a:spcPts val="0"/>
+                        </a:spcAft>
+                      </a:pPr>
+                      <a:r>
+                        <a:rPr lang="en-US" sz="1200">
+                          <a:effectLst/>
+                        </a:rPr>
+                        <a:t>302485</a:t>
+                      </a:r>
+                      <a:endParaRPr lang="en-US" sz="1200">
+                        <a:effectLst/>
+                        <a:latin typeface="Times New Roman" charset="0"/>
+                        <a:ea typeface="Calibri" charset="0"/>
+                      </a:endParaRPr>
+                    </a:p>
+                  </a:txBody>
+                  <a:tcPr marL="68580" marR="68580" marT="0" marB="0" anchor="b"/>
+                </a:tc>
+                <a:tc>
+                  <a:txBody>
+                    <a:bodyPr/>
+                    <a:lstStyle/>
+                    <a:p>
+                      <a:pPr marL="0" marR="0" algn="r">
+                        <a:spcBef>
+                          <a:spcPts val="0"/>
+                        </a:spcBef>
+                        <a:spcAft>
+                          <a:spcPts val="0"/>
+                        </a:spcAft>
+                      </a:pPr>
+                      <a:r>
+                        <a:rPr lang="en-US" sz="1200">
+                          <a:effectLst/>
+                        </a:rPr>
+                        <a:t>0</a:t>
+                      </a:r>
+                      <a:endParaRPr lang="en-US" sz="1200">
+                        <a:effectLst/>
+                        <a:latin typeface="Times New Roman" charset="0"/>
+                        <a:ea typeface="Calibri" charset="0"/>
+                      </a:endParaRPr>
+                    </a:p>
+                  </a:txBody>
+                  <a:tcPr marL="68580" marR="68580" marT="0" marB="0" anchor="b"/>
+                </a:tc>
+              </a:tr>
+              <a:tr h="733799">
+                <a:tc>
+                  <a:txBody>
+                    <a:bodyPr/>
+                    <a:lstStyle/>
+                    <a:p>
+                      <a:pPr marL="0" marR="0">
+                        <a:spcBef>
+                          <a:spcPts val="0"/>
+                        </a:spcBef>
+                        <a:spcAft>
+                          <a:spcPts val="0"/>
+                        </a:spcAft>
+                      </a:pPr>
+                      <a:r>
+                        <a:rPr lang="en-US" sz="1200">
+                          <a:effectLst/>
+                        </a:rPr>
+                        <a:t>Neural Networks</a:t>
+                      </a:r>
+                      <a:endParaRPr lang="en-US" sz="1200">
+                        <a:effectLst/>
+                        <a:latin typeface="Times New Roman" charset="0"/>
+                        <a:ea typeface="Calibri" charset="0"/>
+                      </a:endParaRPr>
+                    </a:p>
+                  </a:txBody>
+                  <a:tcPr marL="68580" marR="68580" marT="0" marB="0" anchor="b"/>
+                </a:tc>
+                <a:tc>
+                  <a:txBody>
+                    <a:bodyPr/>
+                    <a:lstStyle/>
+                    <a:p>
+                      <a:pPr marL="0" marR="0" algn="r">
+                        <a:spcBef>
+                          <a:spcPts val="0"/>
+                        </a:spcBef>
+                        <a:spcAft>
+                          <a:spcPts val="0"/>
+                        </a:spcAft>
+                      </a:pPr>
+                      <a:r>
+                        <a:rPr lang="en-US" sz="1200">
+                          <a:effectLst/>
+                        </a:rPr>
+                        <a:t>3224991</a:t>
+                      </a:r>
+                      <a:endParaRPr lang="en-US" sz="1200">
+                        <a:effectLst/>
+                        <a:latin typeface="Times New Roman" charset="0"/>
+                        <a:ea typeface="Calibri" charset="0"/>
+                      </a:endParaRPr>
+                    </a:p>
+                  </a:txBody>
+                  <a:tcPr marL="68580" marR="68580" marT="0" marB="0" anchor="b"/>
+                </a:tc>
+                <a:tc>
+                  <a:txBody>
+                    <a:bodyPr/>
+                    <a:lstStyle/>
+                    <a:p>
+                      <a:pPr marL="0" marR="0" algn="r">
+                        <a:spcBef>
+                          <a:spcPts val="0"/>
+                        </a:spcBef>
+                        <a:spcAft>
+                          <a:spcPts val="0"/>
+                        </a:spcAft>
+                      </a:pPr>
+                      <a:r>
+                        <a:rPr lang="en-US" sz="1200">
+                          <a:effectLst/>
+                        </a:rPr>
+                        <a:t>0</a:t>
+                      </a:r>
+                      <a:endParaRPr lang="en-US" sz="1200">
+                        <a:effectLst/>
+                        <a:latin typeface="Times New Roman" charset="0"/>
+                        <a:ea typeface="Calibri" charset="0"/>
+                      </a:endParaRPr>
+                    </a:p>
+                  </a:txBody>
+                  <a:tcPr marL="68580" marR="68580" marT="0" marB="0" anchor="b"/>
+                </a:tc>
+                <a:tc>
+                  <a:txBody>
+                    <a:bodyPr/>
+                    <a:lstStyle/>
+                    <a:p>
+                      <a:pPr marL="0" marR="0" algn="r">
+                        <a:spcBef>
+                          <a:spcPts val="0"/>
+                        </a:spcBef>
+                        <a:spcAft>
+                          <a:spcPts val="0"/>
+                        </a:spcAft>
+                      </a:pPr>
+                      <a:r>
+                        <a:rPr lang="en-US" sz="1200" dirty="0">
+                          <a:effectLst/>
+                        </a:rPr>
+                        <a:t>303822</a:t>
+                      </a:r>
+                      <a:endParaRPr lang="en-US" sz="1200" dirty="0">
+                        <a:effectLst/>
+                        <a:latin typeface="Times New Roman" charset="0"/>
+                        <a:ea typeface="Calibri" charset="0"/>
+                      </a:endParaRPr>
+                    </a:p>
+                  </a:txBody>
+                  <a:tcPr marL="68580" marR="68580" marT="0" marB="0" anchor="b"/>
+                </a:tc>
+                <a:tc>
+                  <a:txBody>
+                    <a:bodyPr/>
+                    <a:lstStyle/>
+                    <a:p>
+                      <a:pPr marL="0" marR="0" algn="r">
+                        <a:spcBef>
+                          <a:spcPts val="0"/>
+                        </a:spcBef>
+                        <a:spcAft>
+                          <a:spcPts val="0"/>
+                        </a:spcAft>
+                      </a:pPr>
+                      <a:r>
+                        <a:rPr lang="en-US" sz="1200" dirty="0">
+                          <a:effectLst/>
+                        </a:rPr>
+                        <a:t>0</a:t>
+                      </a:r>
+                      <a:endParaRPr lang="en-US" sz="1200" dirty="0">
+                        <a:effectLst/>
+                        <a:latin typeface="Times New Roman" charset="0"/>
+                        <a:ea typeface="Calibri" charset="0"/>
+                      </a:endParaRPr>
+                    </a:p>
+                  </a:txBody>
+                  <a:tcPr marL="68580" marR="68580" marT="0" marB="0" anchor="b"/>
+                </a:tc>
+              </a:tr>
+            </a:tbl>
+          </a:graphicData>
+        </a:graphic>
+      </p:graphicFrame>
+      <p:pic>
+        <p:nvPicPr>
+          <p:cNvPr id="5" name="Picture 4"/>
+          <p:cNvPicPr/>
+          <p:nvPr/>
+        </p:nvPicPr>
+        <p:blipFill>
+          <a:blip r:embed="rId2">
+            <a:extLst>
+              <a:ext uri="{28A0092B-C50C-407E-A947-70E740481C1C}">
+                <a14:useLocalDpi xmlns:a14="http://schemas.microsoft.com/office/drawing/2010/main" val="0"/>
+              </a:ext>
+            </a:extLst>
+          </a:blip>
+          <a:srcRect/>
+          <a:stretch>
+            <a:fillRect/>
+          </a:stretch>
+        </p:blipFill>
+        <p:spPr bwMode="auto">
+          <a:xfrm>
+            <a:off x="7463496" y="3127829"/>
+            <a:ext cx="4044950" cy="2590800"/>
+          </a:xfrm>
+          <a:prstGeom prst="rect">
+            <a:avLst/>
+          </a:prstGeom>
+          <a:noFill/>
+          <a:ln>
+            <a:noFill/>
+          </a:ln>
+        </p:spPr>
+      </p:pic>
+      <p:sp>
+        <p:nvSpPr>
+          <p:cNvPr id="6" name="TextBox 5"/>
+          <p:cNvSpPr txBox="1"/>
+          <p:nvPr/>
+        </p:nvSpPr>
+        <p:spPr>
+          <a:xfrm>
+            <a:off x="7892682" y="6014748"/>
+            <a:ext cx="3186578" cy="369332"/>
+          </a:xfrm>
+          <a:prstGeom prst="rect">
+            <a:avLst/>
+          </a:prstGeom>
+          <a:noFill/>
+        </p:spPr>
+        <p:txBody>
+          <a:bodyPr wrap="none" rtlCol="0">
+            <a:spAutoFit/>
+          </a:bodyPr>
+          <a:lstStyle/>
+          <a:p>
+            <a:r>
+              <a:rPr lang="en-US" smtClean="0"/>
+              <a:t>ROC Curve for Random Forests</a:t>
+            </a:r>
+            <a:endParaRPr lang="en-US"/>
+          </a:p>
+        </p:txBody>
+      </p:sp>
+      <p:sp>
+        <p:nvSpPr>
+          <p:cNvPr id="7" name="TextBox 6"/>
+          <p:cNvSpPr txBox="1"/>
+          <p:nvPr/>
+        </p:nvSpPr>
+        <p:spPr>
+          <a:xfrm>
+            <a:off x="1591775" y="2778453"/>
+            <a:ext cx="1883849" cy="369332"/>
+          </a:xfrm>
+          <a:prstGeom prst="rect">
+            <a:avLst/>
+          </a:prstGeom>
+          <a:noFill/>
+        </p:spPr>
+        <p:txBody>
+          <a:bodyPr wrap="none" rtlCol="0">
+            <a:spAutoFit/>
+          </a:bodyPr>
+          <a:lstStyle/>
+          <a:p>
+            <a:r>
+              <a:rPr lang="en-US" smtClean="0"/>
+              <a:t>Confusion Matrix:</a:t>
+            </a:r>
             <a:endParaRPr lang="en-US"/>
           </a:p>
         </p:txBody>
@@ -5525,7 +7989,7 @@
           <a:p>
             <a:r>
               <a:rPr lang="en-US" dirty="0" smtClean="0"/>
-              <a:t>Classification Models</a:t>
+              <a:t>Clustering</a:t>
             </a:r>
             <a:endParaRPr lang="en-US" dirty="0"/>
           </a:p>
@@ -5541,19 +8005,111 @@
             <p:ph idx="1"/>
           </p:nvPr>
         </p:nvSpPr>
-        <p:spPr/>
+        <p:spPr>
+          <a:xfrm>
+            <a:off x="1371600" y="1371600"/>
+            <a:ext cx="9601200" cy="2011136"/>
+          </a:xfrm>
+        </p:spPr>
         <p:txBody>
           <a:bodyPr/>
           <a:lstStyle/>
           <a:p>
-            <a:endParaRPr lang="en-US"/>
-          </a:p>
-        </p:txBody>
-      </p:sp>
+            <a:pPr>
+              <a:lnSpc>
+                <a:spcPct val="100000"/>
+              </a:lnSpc>
+              <a:spcBef>
+                <a:spcPts val="0"/>
+              </a:spcBef>
+              <a:spcAft>
+                <a:spcPts val="0"/>
+              </a:spcAft>
+            </a:pPr>
+            <a:r>
+              <a:rPr lang="en-US" dirty="0" smtClean="0"/>
+              <a:t>We attempted to recreate the Lending Club grades with our </a:t>
+            </a:r>
+            <a:r>
+              <a:rPr lang="en-US" dirty="0" err="1" smtClean="0"/>
+              <a:t>KMeans</a:t>
+            </a:r>
+            <a:r>
+              <a:rPr lang="en-US" dirty="0" smtClean="0"/>
+              <a:t> clusters, and chose the clusters that came the closest but as our T-SNE plot shows below, there is still significant overlap between the groups.</a:t>
+            </a:r>
+            <a:endParaRPr lang="en-US" dirty="0"/>
+          </a:p>
+          <a:p>
+            <a:r>
+              <a:rPr lang="en-US" dirty="0"/>
+              <a:t>For manual clustering, we chose to </a:t>
+            </a:r>
+            <a:r>
+              <a:rPr lang="en-US" dirty="0" smtClean="0"/>
+              <a:t>use FICO score</a:t>
+            </a:r>
+            <a:endParaRPr lang="en-US" dirty="0"/>
+          </a:p>
+          <a:p>
+            <a:pPr marL="0" marR="0" lvl="0" indent="0" defTabSz="914400" eaLnBrk="1" fontAlgn="auto" latinLnBrk="0" hangingPunct="1">
+              <a:lnSpc>
+                <a:spcPct val="100000"/>
+              </a:lnSpc>
+              <a:spcBef>
+                <a:spcPts val="0"/>
+              </a:spcBef>
+              <a:spcAft>
+                <a:spcPts val="0"/>
+              </a:spcAft>
+              <a:buClrTx/>
+              <a:buSzTx/>
+              <a:buFontTx/>
+              <a:buNone/>
+              <a:tabLst/>
+              <a:defRPr/>
+            </a:pPr>
+            <a:endParaRPr lang="en-US" dirty="0"/>
+          </a:p>
+        </p:txBody>
+      </p:sp>
+      <p:pic>
+        <p:nvPicPr>
+          <p:cNvPr id="4" name="Picture 3" descr="images/tsne_kmeans.png"/>
+          <p:cNvPicPr/>
+          <p:nvPr/>
+        </p:nvPicPr>
+        <p:blipFill>
+          <a:blip r:embed="rId2">
+            <a:extLst>
+              <a:ext uri="{28A0092B-C50C-407E-A947-70E740481C1C}">
+                <a14:useLocalDpi xmlns:a14="http://schemas.microsoft.com/office/drawing/2010/main" val="0"/>
+              </a:ext>
+            </a:extLst>
+          </a:blip>
+          <a:srcRect/>
+          <a:stretch>
+            <a:fillRect/>
+          </a:stretch>
+        </p:blipFill>
+        <p:spPr bwMode="auto">
+          <a:xfrm>
+            <a:off x="3350099" y="2857500"/>
+            <a:ext cx="5631765" cy="4000500"/>
+          </a:xfrm>
+          <a:prstGeom prst="rect">
+            <a:avLst/>
+          </a:prstGeom>
+          <a:noFill/>
+          <a:ln>
+            <a:noFill/>
+          </a:ln>
+        </p:spPr>
+      </p:pic>
     </p:spTree>
     <p:extLst>
       <p:ext uri="{BB962C8B-B14F-4D97-AF65-F5344CB8AC3E}">
-        <p14:creationId xmlns:p14="http://schemas.microsoft.com/office/powerpoint/2010/main" val="1537268695"/>
+        <p14:creationId xmlns:p14="http://schemas.microsoft.com/office/powerpoint/2010/main" val="1708023785"/>
       </p:ext>
     </p:extLst>
   </p:cSld>
